--- a/thesis_defense.pptx
+++ b/thesis_defense.pptx
@@ -5,7 +5,7 @@
     <p:sldMasterId id="2147483660" r:id="rId1"/>
   </p:sldMasterIdLst>
   <p:notesMasterIdLst>
-    <p:notesMasterId r:id="rId16"/>
+    <p:notesMasterId r:id="rId17"/>
   </p:notesMasterIdLst>
   <p:sldIdLst>
     <p:sldId id="257" r:id="rId2"/>
@@ -20,8 +20,9 @@
     <p:sldId id="263" r:id="rId11"/>
     <p:sldId id="264" r:id="rId12"/>
     <p:sldId id="265" r:id="rId13"/>
-    <p:sldId id="269" r:id="rId14"/>
-    <p:sldId id="270" r:id="rId15"/>
+    <p:sldId id="271" r:id="rId14"/>
+    <p:sldId id="269" r:id="rId15"/>
+    <p:sldId id="270" r:id="rId16"/>
   </p:sldIdLst>
   <p:sldSz cx="12192000" cy="6858000"/>
   <p:notesSz cx="6858000" cy="9144000"/>
@@ -210,7 +211,7 @@
           <a:p>
             <a:fld id="{EC9EA678-D200-4F31-81C2-249A5E36EE66}" type="datetimeFigureOut">
               <a:rPr lang="en-GB" smtClean="0"/>
-              <a:t>24/01/2025</a:t>
+              <a:t>29/01/2025</a:t>
             </a:fld>
             <a:endParaRPr lang="en-GB"/>
           </a:p>
@@ -639,6 +640,318 @@
 </p:notes>
 </file>
 
+<file path=ppt/notesSlides/notesSlide10.xml><?xml version="1.0" encoding="utf-8"?>
+<p:notes xmlns:a="http://schemas.openxmlformats.org/drawingml/2006/main" xmlns:r="http://schemas.openxmlformats.org/officeDocument/2006/relationships" xmlns:p="http://schemas.openxmlformats.org/presentationml/2006/main">
+  <p:cSld>
+    <p:spTree>
+      <p:nvGrpSpPr>
+        <p:cNvPr id="1" name=""/>
+        <p:cNvGrpSpPr/>
+        <p:nvPr/>
+      </p:nvGrpSpPr>
+      <p:grpSpPr>
+        <a:xfrm>
+          <a:off x="0" y="0"/>
+          <a:ext cx="0" cy="0"/>
+          <a:chOff x="0" y="0"/>
+          <a:chExt cx="0" cy="0"/>
+        </a:xfrm>
+      </p:grpSpPr>
+      <p:sp>
+        <p:nvSpPr>
+          <p:cNvPr id="2" name="Slide Image Placeholder 1"/>
+          <p:cNvSpPr>
+            <a:spLocks noGrp="1" noRot="1" noChangeAspect="1"/>
+          </p:cNvSpPr>
+          <p:nvPr>
+            <p:ph type="sldImg"/>
+          </p:nvPr>
+        </p:nvSpPr>
+        <p:spPr/>
+      </p:sp>
+      <p:sp>
+        <p:nvSpPr>
+          <p:cNvPr id="3" name="Notes Placeholder 2"/>
+          <p:cNvSpPr>
+            <a:spLocks noGrp="1"/>
+          </p:cNvSpPr>
+          <p:nvPr>
+            <p:ph type="body" idx="1"/>
+          </p:nvPr>
+        </p:nvSpPr>
+        <p:spPr/>
+        <p:txBody>
+          <a:bodyPr/>
+          <a:lstStyle/>
+          <a:p>
+            <a:endParaRPr lang="en-GB" dirty="0"/>
+          </a:p>
+        </p:txBody>
+      </p:sp>
+      <p:sp>
+        <p:nvSpPr>
+          <p:cNvPr id="4" name="Slide Number Placeholder 3"/>
+          <p:cNvSpPr>
+            <a:spLocks noGrp="1"/>
+          </p:cNvSpPr>
+          <p:nvPr>
+            <p:ph type="sldNum" sz="quarter" idx="5"/>
+          </p:nvPr>
+        </p:nvSpPr>
+        <p:spPr/>
+        <p:txBody>
+          <a:bodyPr/>
+          <a:lstStyle/>
+          <a:p>
+            <a:fld id="{6E88A9E1-9E71-490A-8DEC-CAF513ED9FDA}" type="slidenum">
+              <a:rPr lang="en-GB" smtClean="0"/>
+              <a:t>11</a:t>
+            </a:fld>
+            <a:endParaRPr lang="en-GB"/>
+          </a:p>
+        </p:txBody>
+      </p:sp>
+    </p:spTree>
+    <p:extLst>
+      <p:ext uri="{BB962C8B-B14F-4D97-AF65-F5344CB8AC3E}">
+        <p14:creationId xmlns:p14="http://schemas.microsoft.com/office/powerpoint/2010/main" val="1672753460"/>
+      </p:ext>
+    </p:extLst>
+  </p:cSld>
+  <p:clrMapOvr>
+    <a:masterClrMapping/>
+  </p:clrMapOvr>
+</p:notes>
+</file>
+
+<file path=ppt/notesSlides/notesSlide11.xml><?xml version="1.0" encoding="utf-8"?>
+<p:notes xmlns:a="http://schemas.openxmlformats.org/drawingml/2006/main" xmlns:r="http://schemas.openxmlformats.org/officeDocument/2006/relationships" xmlns:p="http://schemas.openxmlformats.org/presentationml/2006/main">
+  <p:cSld>
+    <p:spTree>
+      <p:nvGrpSpPr>
+        <p:cNvPr id="1" name=""/>
+        <p:cNvGrpSpPr/>
+        <p:nvPr/>
+      </p:nvGrpSpPr>
+      <p:grpSpPr>
+        <a:xfrm>
+          <a:off x="0" y="0"/>
+          <a:ext cx="0" cy="0"/>
+          <a:chOff x="0" y="0"/>
+          <a:chExt cx="0" cy="0"/>
+        </a:xfrm>
+      </p:grpSpPr>
+      <p:sp>
+        <p:nvSpPr>
+          <p:cNvPr id="2" name="Slide Image Placeholder 1"/>
+          <p:cNvSpPr>
+            <a:spLocks noGrp="1" noRot="1" noChangeAspect="1"/>
+          </p:cNvSpPr>
+          <p:nvPr>
+            <p:ph type="sldImg"/>
+          </p:nvPr>
+        </p:nvSpPr>
+        <p:spPr/>
+      </p:sp>
+      <p:sp>
+        <p:nvSpPr>
+          <p:cNvPr id="3" name="Notes Placeholder 2"/>
+          <p:cNvSpPr>
+            <a:spLocks noGrp="1"/>
+          </p:cNvSpPr>
+          <p:nvPr>
+            <p:ph type="body" idx="1"/>
+          </p:nvPr>
+        </p:nvSpPr>
+        <p:spPr/>
+        <p:txBody>
+          <a:bodyPr/>
+          <a:lstStyle/>
+          <a:p>
+            <a:endParaRPr lang="en-GB" dirty="0"/>
+          </a:p>
+        </p:txBody>
+      </p:sp>
+      <p:sp>
+        <p:nvSpPr>
+          <p:cNvPr id="4" name="Slide Number Placeholder 3"/>
+          <p:cNvSpPr>
+            <a:spLocks noGrp="1"/>
+          </p:cNvSpPr>
+          <p:nvPr>
+            <p:ph type="sldNum" sz="quarter" idx="5"/>
+          </p:nvPr>
+        </p:nvSpPr>
+        <p:spPr/>
+        <p:txBody>
+          <a:bodyPr/>
+          <a:lstStyle/>
+          <a:p>
+            <a:fld id="{6E88A9E1-9E71-490A-8DEC-CAF513ED9FDA}" type="slidenum">
+              <a:rPr lang="en-GB" smtClean="0"/>
+              <a:t>13</a:t>
+            </a:fld>
+            <a:endParaRPr lang="en-GB"/>
+          </a:p>
+        </p:txBody>
+      </p:sp>
+    </p:spTree>
+    <p:extLst>
+      <p:ext uri="{BB962C8B-B14F-4D97-AF65-F5344CB8AC3E}">
+        <p14:creationId xmlns:p14="http://schemas.microsoft.com/office/powerpoint/2010/main" val="443491466"/>
+      </p:ext>
+    </p:extLst>
+  </p:cSld>
+  <p:clrMapOvr>
+    <a:masterClrMapping/>
+  </p:clrMapOvr>
+</p:notes>
+</file>
+
+<file path=ppt/notesSlides/notesSlide12.xml><?xml version="1.0" encoding="utf-8"?>
+<p:notes xmlns:a="http://schemas.openxmlformats.org/drawingml/2006/main" xmlns:r="http://schemas.openxmlformats.org/officeDocument/2006/relationships" xmlns:p="http://schemas.openxmlformats.org/presentationml/2006/main">
+  <p:cSld>
+    <p:spTree>
+      <p:nvGrpSpPr>
+        <p:cNvPr id="1" name=""/>
+        <p:cNvGrpSpPr/>
+        <p:nvPr/>
+      </p:nvGrpSpPr>
+      <p:grpSpPr>
+        <a:xfrm>
+          <a:off x="0" y="0"/>
+          <a:ext cx="0" cy="0"/>
+          <a:chOff x="0" y="0"/>
+          <a:chExt cx="0" cy="0"/>
+        </a:xfrm>
+      </p:grpSpPr>
+      <p:sp>
+        <p:nvSpPr>
+          <p:cNvPr id="2" name="Slide Image Placeholder 1"/>
+          <p:cNvSpPr>
+            <a:spLocks noGrp="1" noRot="1" noChangeAspect="1"/>
+          </p:cNvSpPr>
+          <p:nvPr>
+            <p:ph type="sldImg"/>
+          </p:nvPr>
+        </p:nvSpPr>
+        <p:spPr/>
+      </p:sp>
+      <p:sp>
+        <p:nvSpPr>
+          <p:cNvPr id="3" name="Notes Placeholder 2"/>
+          <p:cNvSpPr>
+            <a:spLocks noGrp="1"/>
+          </p:cNvSpPr>
+          <p:nvPr>
+            <p:ph type="body" idx="1"/>
+          </p:nvPr>
+        </p:nvSpPr>
+        <p:spPr/>
+        <p:txBody>
+          <a:bodyPr/>
+          <a:lstStyle/>
+          <a:p>
+            <a:pPr>
+              <a:buFont typeface="Arial" panose="020B0604020202020204" pitchFamily="34" charset="0"/>
+              <a:buChar char="•"/>
+            </a:pPr>
+            <a:r>
+              <a:rPr lang="en-GB" dirty="0"/>
+              <a:t>Fit an outcome model</a:t>
+            </a:r>
+          </a:p>
+          <a:p>
+            <a:pPr>
+              <a:buFont typeface="Arial" panose="020B0604020202020204" pitchFamily="34" charset="0"/>
+              <a:buChar char="•"/>
+            </a:pPr>
+            <a:r>
+              <a:rPr lang="en-GB" dirty="0"/>
+              <a:t>Predict counterfactuals</a:t>
+            </a:r>
+          </a:p>
+          <a:p>
+            <a:pPr>
+              <a:buFont typeface="Arial" panose="020B0604020202020204" pitchFamily="34" charset="0"/>
+              <a:buChar char="•"/>
+            </a:pPr>
+            <a:r>
+              <a:rPr lang="en-GB" dirty="0"/>
+              <a:t>Fit treatment model</a:t>
+            </a:r>
+          </a:p>
+          <a:p>
+            <a:pPr>
+              <a:buFont typeface="Arial" panose="020B0604020202020204" pitchFamily="34" charset="0"/>
+              <a:buChar char="•"/>
+            </a:pPr>
+            <a:r>
+              <a:rPr lang="en-GB" dirty="0"/>
+              <a:t>Calculate IPW for each observation (Clever covariate)</a:t>
+            </a:r>
+          </a:p>
+          <a:p>
+            <a:pPr>
+              <a:buFont typeface="Arial" panose="020B0604020202020204" pitchFamily="34" charset="0"/>
+              <a:buChar char="•"/>
+            </a:pPr>
+            <a:r>
+              <a:rPr lang="en-GB" dirty="0"/>
+              <a:t>Fluctuation parameter derived from logistic regression model using logit transformed outcome as an offset</a:t>
+            </a:r>
+          </a:p>
+          <a:p>
+            <a:pPr>
+              <a:buFont typeface="Arial" panose="020B0604020202020204" pitchFamily="34" charset="0"/>
+              <a:buChar char="•"/>
+            </a:pPr>
+            <a:r>
+              <a:rPr lang="en-GB" dirty="0"/>
+              <a:t>Update the initial outcome estimates.</a:t>
+            </a:r>
+          </a:p>
+          <a:p>
+            <a:endParaRPr lang="en-GB" dirty="0"/>
+          </a:p>
+        </p:txBody>
+      </p:sp>
+      <p:sp>
+        <p:nvSpPr>
+          <p:cNvPr id="4" name="Slide Number Placeholder 3"/>
+          <p:cNvSpPr>
+            <a:spLocks noGrp="1"/>
+          </p:cNvSpPr>
+          <p:nvPr>
+            <p:ph type="sldNum" sz="quarter" idx="5"/>
+          </p:nvPr>
+        </p:nvSpPr>
+        <p:spPr/>
+        <p:txBody>
+          <a:bodyPr/>
+          <a:lstStyle/>
+          <a:p>
+            <a:fld id="{6E88A9E1-9E71-490A-8DEC-CAF513ED9FDA}" type="slidenum">
+              <a:rPr lang="en-GB" smtClean="0"/>
+              <a:t>14</a:t>
+            </a:fld>
+            <a:endParaRPr lang="en-GB"/>
+          </a:p>
+        </p:txBody>
+      </p:sp>
+    </p:spTree>
+    <p:extLst>
+      <p:ext uri="{BB962C8B-B14F-4D97-AF65-F5344CB8AC3E}">
+        <p14:creationId xmlns:p14="http://schemas.microsoft.com/office/powerpoint/2010/main" val="2458800504"/>
+      </p:ext>
+    </p:extLst>
+  </p:cSld>
+  <p:clrMapOvr>
+    <a:masterClrMapping/>
+  </p:clrMapOvr>
+</p:notes>
+</file>
+
 <file path=ppt/notesSlides/notesSlide2.xml><?xml version="1.0" encoding="utf-8"?>
 <p:notes xmlns:a="http://schemas.openxmlformats.org/drawingml/2006/main" xmlns:r="http://schemas.openxmlformats.org/officeDocument/2006/relationships" xmlns:p="http://schemas.openxmlformats.org/presentationml/2006/main">
   <p:cSld>
@@ -850,7 +1163,7 @@
             </a:pPr>
             <a:r>
               <a:rPr lang="en-GB" dirty="0"/>
-              <a:t>Negative correlation between the cell types</a:t>
+              <a:t>Negative correlation between the cell types and arbitrary sum of the cells in the observed sample</a:t>
             </a:r>
           </a:p>
           <a:p>
@@ -945,6 +1258,24 @@
           <a:bodyPr/>
           <a:lstStyle/>
           <a:p>
+            <a:r>
+              <a:rPr lang="en-GB" dirty="0"/>
+              <a:t>Use CLR transformation to account for composition bias.</a:t>
+            </a:r>
+          </a:p>
+          <a:p>
+            <a:r>
+              <a:rPr lang="en-GB" dirty="0"/>
+              <a:t>Mean-variance trend is estimated and the inverse of the interpolated standard deviation is used as a weight in the cell-type-wise linear models.</a:t>
+            </a:r>
+          </a:p>
+          <a:p>
+            <a:r>
+              <a:rPr lang="en-GB" dirty="0"/>
+              <a:t>There exists bias on the found effect sizes compared to what one would find when you would use absolute counts, thus in order to correct for this, the mode is subtracted.</a:t>
+            </a:r>
+          </a:p>
+          <a:p>
             <a:endParaRPr lang="en-GB" dirty="0"/>
           </a:p>
         </p:txBody>
@@ -1029,7 +1360,16 @@
           <a:bodyPr/>
           <a:lstStyle/>
           <a:p>
-            <a:endParaRPr lang="en-GB" dirty="0"/>
+            <a:r>
+              <a:rPr lang="en-GB" dirty="0"/>
+              <a:t>Causal inference is the field of study that uses statistical techniques to find cause-and-effect relationships between variables. This differs from normal regression approaches that only look at the correlation between variables.</a:t>
+            </a:r>
+          </a:p>
+          <a:p>
+            <a:r>
+              <a:rPr lang="en-GB" dirty="0"/>
+              <a:t>ATE = the change the average individual would see if you impose the treatment on everyone.</a:t>
+            </a:r>
           </a:p>
         </p:txBody>
       </p:sp>
@@ -1285,6 +1625,409 @@
 </p:notes>
 </file>
 
+<file path=ppt/notesSlides/notesSlide8.xml><?xml version="1.0" encoding="utf-8"?>
+<p:notes xmlns:a="http://schemas.openxmlformats.org/drawingml/2006/main" xmlns:r="http://schemas.openxmlformats.org/officeDocument/2006/relationships" xmlns:p="http://schemas.openxmlformats.org/presentationml/2006/main">
+  <p:cSld>
+    <p:spTree>
+      <p:nvGrpSpPr>
+        <p:cNvPr id="1" name=""/>
+        <p:cNvGrpSpPr/>
+        <p:nvPr/>
+      </p:nvGrpSpPr>
+      <p:grpSpPr>
+        <a:xfrm>
+          <a:off x="0" y="0"/>
+          <a:ext cx="0" cy="0"/>
+          <a:chOff x="0" y="0"/>
+          <a:chExt cx="0" cy="0"/>
+        </a:xfrm>
+      </p:grpSpPr>
+      <p:sp>
+        <p:nvSpPr>
+          <p:cNvPr id="2" name="Slide Image Placeholder 1"/>
+          <p:cNvSpPr>
+            <a:spLocks noGrp="1" noRot="1" noChangeAspect="1"/>
+          </p:cNvSpPr>
+          <p:nvPr>
+            <p:ph type="sldImg"/>
+          </p:nvPr>
+        </p:nvSpPr>
+        <p:spPr/>
+      </p:sp>
+      <p:sp>
+        <p:nvSpPr>
+          <p:cNvPr id="3" name="Notes Placeholder 2"/>
+          <p:cNvSpPr>
+            <a:spLocks noGrp="1"/>
+          </p:cNvSpPr>
+          <p:nvPr>
+            <p:ph type="body" idx="1"/>
+          </p:nvPr>
+        </p:nvSpPr>
+        <p:spPr/>
+        <p:txBody>
+          <a:bodyPr/>
+          <a:lstStyle/>
+          <a:p>
+            <a:r>
+              <a:rPr lang="en-GB" dirty="0"/>
+              <a:t>Visual difference in </a:t>
+            </a:r>
+            <a:r>
+              <a:rPr lang="en-GB" dirty="0" err="1"/>
+              <a:t>ncm</a:t>
+            </a:r>
+            <a:r>
+              <a:rPr lang="en-GB" dirty="0"/>
+              <a:t>, cm, </a:t>
+            </a:r>
+            <a:r>
+              <a:rPr lang="en-GB" dirty="0" err="1"/>
+              <a:t>prolif</a:t>
+            </a:r>
+            <a:endParaRPr lang="en-GB" dirty="0"/>
+          </a:p>
+          <a:p>
+            <a:r>
+              <a:rPr lang="en-GB" dirty="0"/>
+              <a:t>T4 only in Asian</a:t>
+            </a:r>
+          </a:p>
+          <a:p>
+            <a:r>
+              <a:rPr lang="en-GB" dirty="0" err="1"/>
+              <a:t>pDC</a:t>
+            </a:r>
+            <a:r>
+              <a:rPr lang="en-GB" dirty="0"/>
+              <a:t> only in European</a:t>
+            </a:r>
+          </a:p>
+        </p:txBody>
+      </p:sp>
+      <p:sp>
+        <p:nvSpPr>
+          <p:cNvPr id="4" name="Slide Number Placeholder 3"/>
+          <p:cNvSpPr>
+            <a:spLocks noGrp="1"/>
+          </p:cNvSpPr>
+          <p:nvPr>
+            <p:ph type="sldNum" sz="quarter" idx="5"/>
+          </p:nvPr>
+        </p:nvSpPr>
+        <p:spPr/>
+        <p:txBody>
+          <a:bodyPr/>
+          <a:lstStyle/>
+          <a:p>
+            <a:fld id="{6E88A9E1-9E71-490A-8DEC-CAF513ED9FDA}" type="slidenum">
+              <a:rPr lang="en-GB" smtClean="0"/>
+              <a:t>9</a:t>
+            </a:fld>
+            <a:endParaRPr lang="en-GB"/>
+          </a:p>
+        </p:txBody>
+      </p:sp>
+    </p:spTree>
+    <p:extLst>
+      <p:ext uri="{BB962C8B-B14F-4D97-AF65-F5344CB8AC3E}">
+        <p14:creationId xmlns:p14="http://schemas.microsoft.com/office/powerpoint/2010/main" val="1520150705"/>
+      </p:ext>
+    </p:extLst>
+  </p:cSld>
+  <p:clrMapOvr>
+    <a:masterClrMapping/>
+  </p:clrMapOvr>
+</p:notes>
+</file>
+
+<file path=ppt/notesSlides/notesSlide9.xml><?xml version="1.0" encoding="utf-8"?>
+<p:notes xmlns:a="http://schemas.openxmlformats.org/drawingml/2006/main" xmlns:r="http://schemas.openxmlformats.org/officeDocument/2006/relationships" xmlns:p="http://schemas.openxmlformats.org/presentationml/2006/main">
+  <p:cSld>
+    <p:spTree>
+      <p:nvGrpSpPr>
+        <p:cNvPr id="1" name=""/>
+        <p:cNvGrpSpPr/>
+        <p:nvPr/>
+      </p:nvGrpSpPr>
+      <p:grpSpPr>
+        <a:xfrm>
+          <a:off x="0" y="0"/>
+          <a:ext cx="0" cy="0"/>
+          <a:chOff x="0" y="0"/>
+          <a:chExt cx="0" cy="0"/>
+        </a:xfrm>
+      </p:grpSpPr>
+      <p:sp>
+        <p:nvSpPr>
+          <p:cNvPr id="2" name="Slide Image Placeholder 1"/>
+          <p:cNvSpPr>
+            <a:spLocks noGrp="1" noRot="1" noChangeAspect="1"/>
+          </p:cNvSpPr>
+          <p:nvPr>
+            <p:ph type="sldImg"/>
+          </p:nvPr>
+        </p:nvSpPr>
+        <p:spPr/>
+      </p:sp>
+      <p:sp>
+        <p:nvSpPr>
+          <p:cNvPr id="3" name="Notes Placeholder 2"/>
+          <p:cNvSpPr>
+            <a:spLocks noGrp="1"/>
+          </p:cNvSpPr>
+          <p:nvPr>
+            <p:ph type="body" idx="1"/>
+          </p:nvPr>
+        </p:nvSpPr>
+        <p:spPr/>
+        <p:txBody>
+          <a:bodyPr/>
+          <a:lstStyle/>
+          <a:p>
+            <a:r>
+              <a:rPr lang="en-GB" dirty="0"/>
+              <a:t>What do we see:</a:t>
+            </a:r>
+          </a:p>
+          <a:p>
+            <a:r>
+              <a:rPr lang="en-GB" dirty="0"/>
+              <a:t>This is the effect size of the SLE status on the cell type abundance found by using the different methods.</a:t>
+            </a:r>
+          </a:p>
+          <a:p>
+            <a:r>
+              <a:rPr lang="en-GB" dirty="0"/>
+              <a:t>Colour points to the value of the effect size</a:t>
+            </a:r>
+          </a:p>
+          <a:p>
+            <a:r>
+              <a:rPr lang="en-GB" dirty="0"/>
+              <a:t>Size shows significance from zero</a:t>
+            </a:r>
+          </a:p>
+          <a:p>
+            <a:endParaRPr lang="en-GB" dirty="0"/>
+          </a:p>
+          <a:p>
+            <a:r>
+              <a:rPr lang="en-GB" dirty="0"/>
+              <a:t>Methods:</a:t>
+            </a:r>
+          </a:p>
+          <a:p>
+            <a:r>
+              <a:rPr lang="en-GB" dirty="0" err="1"/>
+              <a:t>VoomCLR</a:t>
+            </a:r>
+            <a:r>
+              <a:rPr lang="en-GB" dirty="0"/>
+              <a:t> containing only </a:t>
+            </a:r>
+            <a:r>
+              <a:rPr lang="en-GB" dirty="0" err="1"/>
+              <a:t>sle_status</a:t>
+            </a:r>
+            <a:r>
+              <a:rPr lang="en-GB" dirty="0"/>
+              <a:t> as predictor in the model</a:t>
+            </a:r>
+          </a:p>
+          <a:p>
+            <a:r>
+              <a:rPr lang="en-GB" dirty="0" err="1"/>
+              <a:t>VoomCLR</a:t>
+            </a:r>
+            <a:r>
+              <a:rPr lang="en-GB" dirty="0"/>
+              <a:t> containing age, </a:t>
+            </a:r>
+            <a:r>
+              <a:rPr lang="en-GB" dirty="0" err="1"/>
+              <a:t>ethnicitym</a:t>
+            </a:r>
+            <a:r>
+              <a:rPr lang="en-GB" dirty="0"/>
+              <a:t> and sex separately</a:t>
+            </a:r>
+          </a:p>
+          <a:p>
+            <a:r>
+              <a:rPr lang="en-GB" dirty="0" err="1"/>
+              <a:t>VoomCLR</a:t>
+            </a:r>
+            <a:r>
+              <a:rPr lang="en-GB" dirty="0"/>
+              <a:t> containing all inferred confounders, processing cohort and interaction between </a:t>
+            </a:r>
+            <a:r>
+              <a:rPr lang="en-GB" dirty="0" err="1"/>
+              <a:t>SLE_status</a:t>
+            </a:r>
+            <a:r>
+              <a:rPr lang="en-GB" dirty="0"/>
+              <a:t> and ethnicity</a:t>
+            </a:r>
+          </a:p>
+          <a:p>
+            <a:r>
+              <a:rPr lang="en-GB" dirty="0" err="1"/>
+              <a:t>VoomCLR</a:t>
+            </a:r>
+            <a:r>
+              <a:rPr lang="en-GB" dirty="0"/>
+              <a:t> containing all confounders and IPW weights</a:t>
+            </a:r>
+          </a:p>
+          <a:p>
+            <a:r>
+              <a:rPr lang="en-GB" dirty="0"/>
+              <a:t>CI methods separately.</a:t>
+            </a:r>
+          </a:p>
+          <a:p>
+            <a:endParaRPr lang="en-GB" dirty="0"/>
+          </a:p>
+          <a:p>
+            <a:r>
+              <a:rPr lang="en-GB" dirty="0"/>
+              <a:t>Results:</a:t>
+            </a:r>
+          </a:p>
+          <a:p>
+            <a:r>
+              <a:rPr lang="en-GB" dirty="0"/>
+              <a:t>We look at the effect size of the SLE in the models, and test if it is different from zero.</a:t>
+            </a:r>
+          </a:p>
+          <a:p>
+            <a:r>
+              <a:rPr lang="en-GB" dirty="0" err="1"/>
+              <a:t>Prolif</a:t>
+            </a:r>
+            <a:r>
+              <a:rPr lang="en-GB" dirty="0"/>
+              <a:t>,  Cm everywhere</a:t>
+            </a:r>
+          </a:p>
+          <a:p>
+            <a:r>
+              <a:rPr lang="en-GB" dirty="0"/>
+              <a:t>T4 and </a:t>
+            </a:r>
+            <a:r>
+              <a:rPr lang="en-GB" dirty="0" err="1"/>
+              <a:t>pDC</a:t>
+            </a:r>
+            <a:r>
+              <a:rPr lang="en-GB" dirty="0"/>
+              <a:t> everywhere except for </a:t>
+            </a:r>
+            <a:r>
+              <a:rPr lang="en-GB" dirty="0" err="1"/>
+              <a:t>voomCLR</a:t>
+            </a:r>
+            <a:r>
+              <a:rPr lang="en-GB" dirty="0"/>
+              <a:t> containing all covariates. Full model does not find that the association is </a:t>
+            </a:r>
+            <a:r>
+              <a:rPr lang="en-GB" dirty="0" err="1"/>
+              <a:t>signficant</a:t>
+            </a:r>
+            <a:r>
+              <a:rPr lang="en-GB" dirty="0"/>
+              <a:t>. Could be do to difference in ethnicities</a:t>
+            </a:r>
+          </a:p>
+          <a:p>
+            <a:r>
+              <a:rPr lang="en-GB" dirty="0"/>
+              <a:t>T8 shown to be </a:t>
+            </a:r>
+            <a:r>
+              <a:rPr lang="en-GB" dirty="0" err="1"/>
+              <a:t>signficant</a:t>
+            </a:r>
+            <a:r>
+              <a:rPr lang="en-GB" dirty="0"/>
+              <a:t> only when not using CI. This shows that the T8 was actually confounded.</a:t>
+            </a:r>
+          </a:p>
+          <a:p>
+            <a:endParaRPr lang="en-GB" dirty="0"/>
+          </a:p>
+          <a:p>
+            <a:r>
+              <a:rPr lang="en-GB" dirty="0"/>
+              <a:t>The IPW method shows differences in results compared to g-comp and </a:t>
+            </a:r>
+            <a:r>
+              <a:rPr lang="en-GB" dirty="0" err="1"/>
+              <a:t>tmle</a:t>
+            </a:r>
+            <a:r>
+              <a:rPr lang="en-GB" dirty="0"/>
+              <a:t>. As TMLE is the most </a:t>
+            </a:r>
+            <a:r>
+              <a:rPr lang="en-GB" dirty="0" err="1"/>
+              <a:t>relieable</a:t>
+            </a:r>
+            <a:r>
+              <a:rPr lang="en-GB" dirty="0"/>
+              <a:t> model, we assessed IPW more, and found out that it suffered from an incorrect model assumption due to a positivity violation when using the ‘correct’ model.</a:t>
+            </a:r>
+          </a:p>
+          <a:p>
+            <a:endParaRPr lang="en-GB" dirty="0"/>
+          </a:p>
+          <a:p>
+            <a:endParaRPr lang="en-GB" dirty="0"/>
+          </a:p>
+          <a:p>
+            <a:endParaRPr lang="en-GB" dirty="0"/>
+          </a:p>
+        </p:txBody>
+      </p:sp>
+      <p:sp>
+        <p:nvSpPr>
+          <p:cNvPr id="4" name="Slide Number Placeholder 3"/>
+          <p:cNvSpPr>
+            <a:spLocks noGrp="1"/>
+          </p:cNvSpPr>
+          <p:nvPr>
+            <p:ph type="sldNum" sz="quarter" idx="5"/>
+          </p:nvPr>
+        </p:nvSpPr>
+        <p:spPr/>
+        <p:txBody>
+          <a:bodyPr/>
+          <a:lstStyle/>
+          <a:p>
+            <a:fld id="{6E88A9E1-9E71-490A-8DEC-CAF513ED9FDA}" type="slidenum">
+              <a:rPr lang="en-GB" smtClean="0"/>
+              <a:t>10</a:t>
+            </a:fld>
+            <a:endParaRPr lang="en-GB"/>
+          </a:p>
+        </p:txBody>
+      </p:sp>
+    </p:spTree>
+    <p:extLst>
+      <p:ext uri="{BB962C8B-B14F-4D97-AF65-F5344CB8AC3E}">
+        <p14:creationId xmlns:p14="http://schemas.microsoft.com/office/powerpoint/2010/main" val="3898449420"/>
+      </p:ext>
+    </p:extLst>
+  </p:cSld>
+  <p:clrMapOvr>
+    <a:masterClrMapping/>
+  </p:clrMapOvr>
+</p:notes>
+</file>
+
 <file path=ppt/slideLayouts/slideLayout1.xml><?xml version="1.0" encoding="utf-8"?>
 <p:sldLayout xmlns:a="http://schemas.openxmlformats.org/drawingml/2006/main" xmlns:r="http://schemas.openxmlformats.org/officeDocument/2006/relationships" xmlns:p="http://schemas.openxmlformats.org/presentationml/2006/main" showMasterSp="0" type="blank" preserve="1">
   <p:cSld name="Corporate Logo">
@@ -1319,7 +2062,7 @@
           <a:p>
             <a:fld id="{FD379CF6-BAFF-47DB-8C6E-590B2494535D}" type="datetimeFigureOut">
               <a:rPr lang="en-GB" smtClean="0"/>
-              <a:t>24/01/2025</a:t>
+              <a:t>29/01/2025</a:t>
             </a:fld>
             <a:endParaRPr lang="en-GB"/>
           </a:p>
@@ -2509,7 +3252,7 @@
           <a:p>
             <a:fld id="{FD379CF6-BAFF-47DB-8C6E-590B2494535D}" type="datetimeFigureOut">
               <a:rPr lang="en-GB" smtClean="0"/>
-              <a:t>24/01/2025</a:t>
+              <a:t>29/01/2025</a:t>
             </a:fld>
             <a:endParaRPr lang="en-GB"/>
           </a:p>
@@ -2627,7 +3370,7 @@
           <a:p>
             <a:fld id="{FD379CF6-BAFF-47DB-8C6E-590B2494535D}" type="datetimeFigureOut">
               <a:rPr lang="en-GB" smtClean="0"/>
-              <a:t>24/01/2025</a:t>
+              <a:t>29/01/2025</a:t>
             </a:fld>
             <a:endParaRPr lang="en-GB"/>
           </a:p>
@@ -2886,7 +3629,7 @@
           <a:p>
             <a:fld id="{FD379CF6-BAFF-47DB-8C6E-590B2494535D}" type="datetimeFigureOut">
               <a:rPr lang="en-GB" smtClean="0"/>
-              <a:t>24/01/2025</a:t>
+              <a:t>29/01/2025</a:t>
             </a:fld>
             <a:endParaRPr lang="en-GB"/>
           </a:p>
@@ -3026,7 +3769,7 @@
           <a:p>
             <a:fld id="{FD379CF6-BAFF-47DB-8C6E-590B2494535D}" type="datetimeFigureOut">
               <a:rPr lang="en-GB" smtClean="0"/>
-              <a:t>24/01/2025</a:t>
+              <a:t>29/01/2025</a:t>
             </a:fld>
             <a:endParaRPr lang="en-GB"/>
           </a:p>
@@ -3225,7 +3968,7 @@
           <a:p>
             <a:fld id="{FD379CF6-BAFF-47DB-8C6E-590B2494535D}" type="datetimeFigureOut">
               <a:rPr lang="en-GB" smtClean="0"/>
-              <a:t>24/01/2025</a:t>
+              <a:t>29/01/2025</a:t>
             </a:fld>
             <a:endParaRPr lang="en-GB"/>
           </a:p>
@@ -3470,7 +4213,7 @@
           <a:p>
             <a:fld id="{FD379CF6-BAFF-47DB-8C6E-590B2494535D}" type="datetimeFigureOut">
               <a:rPr lang="en-GB" smtClean="0"/>
-              <a:t>24/01/2025</a:t>
+              <a:t>29/01/2025</a:t>
             </a:fld>
             <a:endParaRPr lang="en-GB"/>
           </a:p>
@@ -3740,7 +4483,7 @@
           <a:p>
             <a:fld id="{FD379CF6-BAFF-47DB-8C6E-590B2494535D}" type="datetimeFigureOut">
               <a:rPr lang="en-GB" smtClean="0"/>
-              <a:t>24/01/2025</a:t>
+              <a:t>29/01/2025</a:t>
             </a:fld>
             <a:endParaRPr lang="en-GB"/>
           </a:p>
@@ -4493,131 +5236,6 @@
           </a:p>
         </p:txBody>
       </p:sp>
-      <p:sp>
-        <p:nvSpPr>
-          <p:cNvPr id="4" name="Picture Placeholder 3">
-            <a:extLst>
-              <a:ext uri="{FF2B5EF4-FFF2-40B4-BE49-F238E27FC236}">
-                <a16:creationId xmlns:a16="http://schemas.microsoft.com/office/drawing/2014/main" id="{4735B53B-1592-AF3F-7900-8920AD14BC82}"/>
-              </a:ext>
-            </a:extLst>
-          </p:cNvPr>
-          <p:cNvSpPr>
-            <a:spLocks noGrp="1"/>
-          </p:cNvSpPr>
-          <p:nvPr>
-            <p:ph type="pic" sz="quarter" idx="11"/>
-          </p:nvPr>
-        </p:nvSpPr>
-        <p:spPr/>
-        <p:txBody>
-          <a:bodyPr/>
-          <a:lstStyle/>
-          <a:p>
-            <a:endParaRPr lang="en-GB"/>
-          </a:p>
-        </p:txBody>
-      </p:sp>
-      <p:sp>
-        <p:nvSpPr>
-          <p:cNvPr id="5" name="Picture Placeholder 4">
-            <a:extLst>
-              <a:ext uri="{FF2B5EF4-FFF2-40B4-BE49-F238E27FC236}">
-                <a16:creationId xmlns:a16="http://schemas.microsoft.com/office/drawing/2014/main" id="{A9EA877A-3DAC-BA9A-9633-9F7FE4861C32}"/>
-              </a:ext>
-            </a:extLst>
-          </p:cNvPr>
-          <p:cNvSpPr>
-            <a:spLocks noGrp="1"/>
-          </p:cNvSpPr>
-          <p:nvPr>
-            <p:ph type="pic" sz="quarter" idx="12"/>
-          </p:nvPr>
-        </p:nvSpPr>
-        <p:spPr/>
-        <p:txBody>
-          <a:bodyPr/>
-          <a:lstStyle/>
-          <a:p>
-            <a:endParaRPr lang="en-GB"/>
-          </a:p>
-        </p:txBody>
-      </p:sp>
-      <p:sp>
-        <p:nvSpPr>
-          <p:cNvPr id="6" name="Picture Placeholder 5">
-            <a:extLst>
-              <a:ext uri="{FF2B5EF4-FFF2-40B4-BE49-F238E27FC236}">
-                <a16:creationId xmlns:a16="http://schemas.microsoft.com/office/drawing/2014/main" id="{617B01FB-F806-8137-0B66-F27F8BA5A62C}"/>
-              </a:ext>
-            </a:extLst>
-          </p:cNvPr>
-          <p:cNvSpPr>
-            <a:spLocks noGrp="1"/>
-          </p:cNvSpPr>
-          <p:nvPr>
-            <p:ph type="pic" sz="quarter" idx="13"/>
-          </p:nvPr>
-        </p:nvSpPr>
-        <p:spPr/>
-        <p:txBody>
-          <a:bodyPr/>
-          <a:lstStyle/>
-          <a:p>
-            <a:endParaRPr lang="en-GB"/>
-          </a:p>
-        </p:txBody>
-      </p:sp>
-      <p:sp>
-        <p:nvSpPr>
-          <p:cNvPr id="7" name="Picture Placeholder 6">
-            <a:extLst>
-              <a:ext uri="{FF2B5EF4-FFF2-40B4-BE49-F238E27FC236}">
-                <a16:creationId xmlns:a16="http://schemas.microsoft.com/office/drawing/2014/main" id="{F0EB9B54-705E-347A-893D-9A93AB57E191}"/>
-              </a:ext>
-            </a:extLst>
-          </p:cNvPr>
-          <p:cNvSpPr>
-            <a:spLocks noGrp="1"/>
-          </p:cNvSpPr>
-          <p:nvPr>
-            <p:ph type="pic" sz="quarter" idx="14"/>
-          </p:nvPr>
-        </p:nvSpPr>
-        <p:spPr/>
-        <p:txBody>
-          <a:bodyPr/>
-          <a:lstStyle/>
-          <a:p>
-            <a:endParaRPr lang="en-GB"/>
-          </a:p>
-        </p:txBody>
-      </p:sp>
-      <p:sp>
-        <p:nvSpPr>
-          <p:cNvPr id="8" name="Text Placeholder 7">
-            <a:extLst>
-              <a:ext uri="{FF2B5EF4-FFF2-40B4-BE49-F238E27FC236}">
-                <a16:creationId xmlns:a16="http://schemas.microsoft.com/office/drawing/2014/main" id="{97C917AE-B62D-B948-E8AC-35F838388B21}"/>
-              </a:ext>
-            </a:extLst>
-          </p:cNvPr>
-          <p:cNvSpPr>
-            <a:spLocks noGrp="1"/>
-          </p:cNvSpPr>
-          <p:nvPr>
-            <p:ph type="body" sz="quarter" idx="15"/>
-          </p:nvPr>
-        </p:nvSpPr>
-        <p:spPr/>
-        <p:txBody>
-          <a:bodyPr/>
-          <a:lstStyle/>
-          <a:p>
-            <a:endParaRPr lang="en-GB" dirty="0"/>
-          </a:p>
-        </p:txBody>
-      </p:sp>
     </p:spTree>
     <p:extLst>
       <p:ext uri="{BB962C8B-B14F-4D97-AF65-F5344CB8AC3E}">
@@ -4737,7 +5355,7 @@
           <p:nvPr/>
         </p:nvPicPr>
         <p:blipFill>
-          <a:blip r:embed="rId2"/>
+          <a:blip r:embed="rId3"/>
           <a:stretch>
             <a:fillRect/>
           </a:stretch>
@@ -4767,7 +5385,7 @@
           <p:nvPr/>
         </p:nvPicPr>
         <p:blipFill>
-          <a:blip r:embed="rId3"/>
+          <a:blip r:embed="rId4"/>
           <a:srcRect l="11296"/>
           <a:stretch/>
         </p:blipFill>
@@ -4866,7 +5484,7 @@
             </a:pPr>
             <a:r>
               <a:rPr lang="en-US" dirty="0"/>
-              <a:t>Accounting for compositionality bias is needed in </a:t>
+              <a:t>Accounting for compositional bias is needed in </a:t>
             </a:r>
             <a:r>
               <a:rPr lang="en-US" dirty="0" err="1"/>
@@ -4884,7 +5502,7 @@
             </a:pPr>
             <a:r>
               <a:rPr lang="en-US" dirty="0"/>
-              <a:t>Causal inference enables to correct for confounding in the data</a:t>
+              <a:t>Causal inference enables to identify causal effects</a:t>
             </a:r>
           </a:p>
           <a:p>
@@ -5093,7 +5711,7 @@
           <p:cNvPr id="2" name="Title 1">
             <a:extLst>
               <a:ext uri="{FF2B5EF4-FFF2-40B4-BE49-F238E27FC236}">
-                <a16:creationId xmlns:a16="http://schemas.microsoft.com/office/drawing/2014/main" id="{2751F515-C97F-5A51-D17B-3289C9458D15}"/>
+                <a16:creationId xmlns:a16="http://schemas.microsoft.com/office/drawing/2014/main" id="{264080F4-E34C-44E0-A4A1-B641F8E925E1}"/>
               </a:ext>
             </a:extLst>
           </p:cNvPr>
@@ -5110,80 +5728,853 @@
           <a:lstStyle/>
           <a:p>
             <a:r>
-              <a:rPr lang="en-US" dirty="0"/>
-              <a:t>Extra slides</a:t>
-            </a:r>
-            <a:endParaRPr lang="en-GB" dirty="0"/>
-          </a:p>
-        </p:txBody>
-      </p:sp>
-      <p:sp>
-        <p:nvSpPr>
-          <p:cNvPr id="3" name="Content Placeholder 2">
-            <a:extLst>
-              <a:ext uri="{FF2B5EF4-FFF2-40B4-BE49-F238E27FC236}">
-                <a16:creationId xmlns:a16="http://schemas.microsoft.com/office/drawing/2014/main" id="{884AFBDA-E1A4-2ECA-79CD-CCD68D1A7AF4}"/>
-              </a:ext>
-            </a:extLst>
-          </p:cNvPr>
-          <p:cNvSpPr>
-            <a:spLocks noGrp="1"/>
-          </p:cNvSpPr>
-          <p:nvPr>
-            <p:ph idx="1"/>
-          </p:nvPr>
-        </p:nvSpPr>
-        <p:spPr/>
-        <p:txBody>
-          <a:bodyPr/>
-          <a:lstStyle/>
-          <a:p>
-            <a:pPr>
-              <a:buFont typeface="Arial" panose="020B0604020202020204" pitchFamily="34" charset="0"/>
-              <a:buChar char="•"/>
-            </a:pPr>
-            <a:r>
-              <a:rPr lang="en-US" dirty="0"/>
-              <a:t>Causal vs associations</a:t>
-            </a:r>
-          </a:p>
-          <a:p>
-            <a:pPr>
-              <a:buFont typeface="Arial" panose="020B0604020202020204" pitchFamily="34" charset="0"/>
-              <a:buChar char="•"/>
-            </a:pPr>
-            <a:r>
-              <a:rPr lang="en-US" dirty="0"/>
-              <a:t>Empirical bayes</a:t>
-            </a:r>
-          </a:p>
-          <a:p>
-            <a:pPr>
-              <a:buFont typeface="Arial" panose="020B0604020202020204" pitchFamily="34" charset="0"/>
-              <a:buChar char="•"/>
-            </a:pPr>
-            <a:r>
-              <a:rPr lang="en-US" dirty="0"/>
-              <a:t>Linear model assumptions</a:t>
-            </a:r>
-          </a:p>
-          <a:p>
-            <a:pPr>
-              <a:buFont typeface="Arial" panose="020B0604020202020204" pitchFamily="34" charset="0"/>
-              <a:buChar char="•"/>
-            </a:pPr>
-            <a:r>
-              <a:rPr lang="en-US" dirty="0"/>
-              <a:t>TMLE in depth</a:t>
-            </a:r>
-            <a:endParaRPr lang="en-GB" dirty="0"/>
-          </a:p>
-        </p:txBody>
-      </p:sp>
+              <a:rPr lang="en-GB" dirty="0"/>
+              <a:t>Linear Models</a:t>
+            </a:r>
+          </a:p>
+        </p:txBody>
+      </p:sp>
+      <mc:AlternateContent xmlns:mc="http://schemas.openxmlformats.org/markup-compatibility/2006">
+        <mc:Choice xmlns:a14="http://schemas.microsoft.com/office/drawing/2010/main" Requires="a14">
+          <p:sp>
+            <p:nvSpPr>
+              <p:cNvPr id="3" name="Content Placeholder 2">
+                <a:extLst>
+                  <a:ext uri="{FF2B5EF4-FFF2-40B4-BE49-F238E27FC236}">
+                    <a16:creationId xmlns:a16="http://schemas.microsoft.com/office/drawing/2014/main" id="{EEEEA7D9-4899-4FDA-9694-901C180B1A4A}"/>
+                  </a:ext>
+                </a:extLst>
+              </p:cNvPr>
+              <p:cNvSpPr>
+                <a:spLocks noGrp="1"/>
+              </p:cNvSpPr>
+              <p:nvPr>
+                <p:ph idx="1"/>
+              </p:nvPr>
+            </p:nvSpPr>
+            <p:spPr/>
+            <p:txBody>
+              <a:bodyPr>
+                <a:normAutofit fontScale="85000" lnSpcReduction="10000"/>
+              </a:bodyPr>
+              <a:lstStyle/>
+              <a:p>
+                <a:pPr marL="60748" indent="0">
+                  <a:buNone/>
+                </a:pPr>
+                <a14:m>
+                  <m:oMathPara xmlns:m="http://schemas.openxmlformats.org/officeDocument/2006/math">
+                    <m:oMathParaPr>
+                      <m:jc m:val="centerGroup"/>
+                    </m:oMathParaPr>
+                    <m:oMath xmlns:m="http://schemas.openxmlformats.org/officeDocument/2006/math">
+                      <m:sSub>
+                        <m:sSubPr>
+                          <m:ctrlPr>
+                            <a:rPr lang="en-US" b="0" i="1" smtClean="0">
+                              <a:latin typeface="Cambria Math" panose="02040503050406030204" pitchFamily="18" charset="0"/>
+                            </a:rPr>
+                          </m:ctrlPr>
+                        </m:sSubPr>
+                        <m:e>
+                          <m:r>
+                            <a:rPr lang="en-US" b="0" i="1" smtClean="0">
+                              <a:latin typeface="Cambria Math" panose="02040503050406030204" pitchFamily="18" charset="0"/>
+                            </a:rPr>
+                            <m:t>𝑌</m:t>
+                          </m:r>
+                        </m:e>
+                        <m:sub>
+                          <m:r>
+                            <a:rPr lang="en-US" b="0" i="1" smtClean="0">
+                              <a:latin typeface="Cambria Math" panose="02040503050406030204" pitchFamily="18" charset="0"/>
+                            </a:rPr>
+                            <m:t>𝑖</m:t>
+                          </m:r>
+                        </m:sub>
+                      </m:sSub>
+                      <m:r>
+                        <a:rPr lang="en-US" b="0" i="1" smtClean="0">
+                          <a:latin typeface="Cambria Math" panose="02040503050406030204" pitchFamily="18" charset="0"/>
+                        </a:rPr>
+                        <m:t>=</m:t>
+                      </m:r>
+                      <m:sSub>
+                        <m:sSubPr>
+                          <m:ctrlPr>
+                            <a:rPr lang="en-US" b="0" i="1" smtClean="0">
+                              <a:latin typeface="Cambria Math" panose="02040503050406030204" pitchFamily="18" charset="0"/>
+                            </a:rPr>
+                          </m:ctrlPr>
+                        </m:sSubPr>
+                        <m:e>
+                          <m:r>
+                            <a:rPr lang="en-US" b="0" i="1" smtClean="0">
+                              <a:latin typeface="Cambria Math" panose="02040503050406030204" pitchFamily="18" charset="0"/>
+                            </a:rPr>
+                            <m:t>𝛽</m:t>
+                          </m:r>
+                        </m:e>
+                        <m:sub>
+                          <m:r>
+                            <a:rPr lang="en-US" b="0" i="1" smtClean="0">
+                              <a:latin typeface="Cambria Math" panose="02040503050406030204" pitchFamily="18" charset="0"/>
+                            </a:rPr>
+                            <m:t>0</m:t>
+                          </m:r>
+                        </m:sub>
+                      </m:sSub>
+                      <m:r>
+                        <a:rPr lang="en-US" b="0" i="1" smtClean="0">
+                          <a:latin typeface="Cambria Math" panose="02040503050406030204" pitchFamily="18" charset="0"/>
+                        </a:rPr>
+                        <m:t>+</m:t>
+                      </m:r>
+                      <m:sSub>
+                        <m:sSubPr>
+                          <m:ctrlPr>
+                            <a:rPr lang="en-US" b="0" i="1" smtClean="0">
+                              <a:latin typeface="Cambria Math" panose="02040503050406030204" pitchFamily="18" charset="0"/>
+                            </a:rPr>
+                          </m:ctrlPr>
+                        </m:sSubPr>
+                        <m:e>
+                          <m:r>
+                            <a:rPr lang="en-US" b="0" i="1" smtClean="0">
+                              <a:latin typeface="Cambria Math" panose="02040503050406030204" pitchFamily="18" charset="0"/>
+                            </a:rPr>
+                            <m:t>𝛽</m:t>
+                          </m:r>
+                        </m:e>
+                        <m:sub>
+                          <m:r>
+                            <a:rPr lang="en-US" b="0" i="1" smtClean="0">
+                              <a:latin typeface="Cambria Math" panose="02040503050406030204" pitchFamily="18" charset="0"/>
+                            </a:rPr>
+                            <m:t>1</m:t>
+                          </m:r>
+                        </m:sub>
+                      </m:sSub>
+                      <m:sSub>
+                        <m:sSubPr>
+                          <m:ctrlPr>
+                            <a:rPr lang="en-US" b="0" i="1" smtClean="0">
+                              <a:latin typeface="Cambria Math" panose="02040503050406030204" pitchFamily="18" charset="0"/>
+                            </a:rPr>
+                          </m:ctrlPr>
+                        </m:sSubPr>
+                        <m:e>
+                          <m:r>
+                            <a:rPr lang="en-US" b="0" i="1" smtClean="0">
+                              <a:latin typeface="Cambria Math" panose="02040503050406030204" pitchFamily="18" charset="0"/>
+                            </a:rPr>
+                            <m:t>𝑥</m:t>
+                          </m:r>
+                        </m:e>
+                        <m:sub>
+                          <m:r>
+                            <a:rPr lang="en-US" b="0" i="1" smtClean="0">
+                              <a:latin typeface="Cambria Math" panose="02040503050406030204" pitchFamily="18" charset="0"/>
+                            </a:rPr>
+                            <m:t>1</m:t>
+                          </m:r>
+                        </m:sub>
+                      </m:sSub>
+                      <m:r>
+                        <a:rPr lang="en-US" b="0" i="1" smtClean="0">
+                          <a:latin typeface="Cambria Math" panose="02040503050406030204" pitchFamily="18" charset="0"/>
+                        </a:rPr>
+                        <m:t>+…+</m:t>
+                      </m:r>
+                      <m:sSub>
+                        <m:sSubPr>
+                          <m:ctrlPr>
+                            <a:rPr lang="en-US" b="0" i="1" smtClean="0">
+                              <a:latin typeface="Cambria Math" panose="02040503050406030204" pitchFamily="18" charset="0"/>
+                            </a:rPr>
+                          </m:ctrlPr>
+                        </m:sSubPr>
+                        <m:e>
+                          <m:r>
+                            <a:rPr lang="en-US" b="0" i="1" smtClean="0">
+                              <a:latin typeface="Cambria Math" panose="02040503050406030204" pitchFamily="18" charset="0"/>
+                            </a:rPr>
+                            <m:t>𝛽</m:t>
+                          </m:r>
+                        </m:e>
+                        <m:sub>
+                          <m:r>
+                            <a:rPr lang="en-US" b="0" i="1" smtClean="0">
+                              <a:latin typeface="Cambria Math" panose="02040503050406030204" pitchFamily="18" charset="0"/>
+                            </a:rPr>
+                            <m:t>𝑛</m:t>
+                          </m:r>
+                        </m:sub>
+                      </m:sSub>
+                      <m:sSub>
+                        <m:sSubPr>
+                          <m:ctrlPr>
+                            <a:rPr lang="en-US" b="0" i="1" smtClean="0">
+                              <a:latin typeface="Cambria Math" panose="02040503050406030204" pitchFamily="18" charset="0"/>
+                            </a:rPr>
+                          </m:ctrlPr>
+                        </m:sSubPr>
+                        <m:e>
+                          <m:r>
+                            <a:rPr lang="en-US" b="0" i="1" smtClean="0">
+                              <a:latin typeface="Cambria Math" panose="02040503050406030204" pitchFamily="18" charset="0"/>
+                            </a:rPr>
+                            <m:t>𝑥</m:t>
+                          </m:r>
+                        </m:e>
+                        <m:sub>
+                          <m:r>
+                            <a:rPr lang="en-US" b="0" i="1" smtClean="0">
+                              <a:latin typeface="Cambria Math" panose="02040503050406030204" pitchFamily="18" charset="0"/>
+                            </a:rPr>
+                            <m:t>𝑛</m:t>
+                          </m:r>
+                        </m:sub>
+                      </m:sSub>
+                      <m:r>
+                        <a:rPr lang="en-US" b="0" i="1" smtClean="0">
+                          <a:latin typeface="Cambria Math" panose="02040503050406030204" pitchFamily="18" charset="0"/>
+                        </a:rPr>
+                        <m:t>+</m:t>
+                      </m:r>
+                      <m:r>
+                        <a:rPr lang="en-US" b="0" i="1" smtClean="0">
+                          <a:latin typeface="Cambria Math" panose="02040503050406030204" pitchFamily="18" charset="0"/>
+                        </a:rPr>
+                        <m:t>𝜖</m:t>
+                      </m:r>
+                      <m:r>
+                        <a:rPr lang="en-US" b="0" i="1" smtClean="0">
+                          <a:latin typeface="Cambria Math" panose="02040503050406030204" pitchFamily="18" charset="0"/>
+                        </a:rPr>
+                        <m:t>_</m:t>
+                      </m:r>
+                      <m:r>
+                        <a:rPr lang="en-US" b="0" i="1" smtClean="0">
+                          <a:latin typeface="Cambria Math" panose="02040503050406030204" pitchFamily="18" charset="0"/>
+                        </a:rPr>
+                        <m:t>𝑖</m:t>
+                      </m:r>
+                    </m:oMath>
+                  </m:oMathPara>
+                </a14:m>
+                <a:endParaRPr lang="en-GB" dirty="0"/>
+              </a:p>
+              <a:p>
+                <a:pPr marL="60748" indent="0">
+                  <a:buNone/>
+                </a:pPr>
+                <a14:m>
+                  <m:oMathPara xmlns:m="http://schemas.openxmlformats.org/officeDocument/2006/math">
+                    <m:oMathParaPr>
+                      <m:jc m:val="centerGroup"/>
+                    </m:oMathParaPr>
+                    <m:oMath xmlns:m="http://schemas.openxmlformats.org/officeDocument/2006/math">
+                      <m:r>
+                        <a:rPr lang="en-US" b="0" i="1" smtClean="0">
+                          <a:latin typeface="Cambria Math" panose="02040503050406030204" pitchFamily="18" charset="0"/>
+                        </a:rPr>
+                        <m:t>𝑤𝑖𝑡h</m:t>
+                      </m:r>
+                      <m:r>
+                        <a:rPr lang="en-US" b="0" i="1" smtClean="0">
+                          <a:latin typeface="Cambria Math" panose="02040503050406030204" pitchFamily="18" charset="0"/>
+                        </a:rPr>
+                        <m:t> </m:t>
+                      </m:r>
+                      <m:sSub>
+                        <m:sSubPr>
+                          <m:ctrlPr>
+                            <a:rPr lang="en-US" b="0" i="1" smtClean="0">
+                              <a:latin typeface="Cambria Math" panose="02040503050406030204" pitchFamily="18" charset="0"/>
+                            </a:rPr>
+                          </m:ctrlPr>
+                        </m:sSubPr>
+                        <m:e>
+                          <m:r>
+                            <a:rPr lang="en-US" b="0" i="1" smtClean="0">
+                              <a:latin typeface="Cambria Math" panose="02040503050406030204" pitchFamily="18" charset="0"/>
+                            </a:rPr>
+                            <m:t>𝜖</m:t>
+                          </m:r>
+                        </m:e>
+                        <m:sub>
+                          <m:r>
+                            <a:rPr lang="en-US" b="0" i="1" smtClean="0">
+                              <a:latin typeface="Cambria Math" panose="02040503050406030204" pitchFamily="18" charset="0"/>
+                            </a:rPr>
+                            <m:t>𝑖</m:t>
+                          </m:r>
+                        </m:sub>
+                      </m:sSub>
+                      <m:r>
+                        <a:rPr lang="en-US" b="0" i="1" smtClean="0">
+                          <a:latin typeface="Cambria Math" panose="02040503050406030204" pitchFamily="18" charset="0"/>
+                        </a:rPr>
+                        <m:t> </m:t>
+                      </m:r>
+                      <m:r>
+                        <a:rPr lang="en-US" b="0" i="1" smtClean="0">
+                          <a:latin typeface="Cambria Math" panose="02040503050406030204" pitchFamily="18" charset="0"/>
+                        </a:rPr>
+                        <m:t>𝑖𝑖𝑑</m:t>
+                      </m:r>
+                      <m:r>
+                        <a:rPr lang="en-US" b="0" i="1" smtClean="0">
+                          <a:latin typeface="Cambria Math" panose="02040503050406030204" pitchFamily="18" charset="0"/>
+                        </a:rPr>
+                        <m:t> </m:t>
+                      </m:r>
+                      <m:r>
+                        <a:rPr lang="en-US" b="0" i="1" smtClean="0">
+                          <a:latin typeface="Cambria Math" panose="02040503050406030204" pitchFamily="18" charset="0"/>
+                        </a:rPr>
+                        <m:t>𝑁</m:t>
+                      </m:r>
+                      <m:r>
+                        <a:rPr lang="en-US" b="0" i="1" smtClean="0">
+                          <a:latin typeface="Cambria Math" panose="02040503050406030204" pitchFamily="18" charset="0"/>
+                        </a:rPr>
+                        <m:t>(0, </m:t>
+                      </m:r>
+                      <m:sSup>
+                        <m:sSupPr>
+                          <m:ctrlPr>
+                            <a:rPr lang="en-US" b="0" i="1" smtClean="0">
+                              <a:latin typeface="Cambria Math" panose="02040503050406030204" pitchFamily="18" charset="0"/>
+                            </a:rPr>
+                          </m:ctrlPr>
+                        </m:sSupPr>
+                        <m:e>
+                          <m:r>
+                            <a:rPr lang="en-US" b="0" i="1" smtClean="0">
+                              <a:latin typeface="Cambria Math" panose="02040503050406030204" pitchFamily="18" charset="0"/>
+                            </a:rPr>
+                            <m:t>𝜎</m:t>
+                          </m:r>
+                        </m:e>
+                        <m:sup>
+                          <m:r>
+                            <a:rPr lang="en-US" b="0" i="1" smtClean="0">
+                              <a:latin typeface="Cambria Math" panose="02040503050406030204" pitchFamily="18" charset="0"/>
+                            </a:rPr>
+                            <m:t>2</m:t>
+                          </m:r>
+                        </m:sup>
+                      </m:sSup>
+                      <m:r>
+                        <a:rPr lang="en-US" b="0" i="1" smtClean="0">
+                          <a:latin typeface="Cambria Math" panose="02040503050406030204" pitchFamily="18" charset="0"/>
+                        </a:rPr>
+                        <m:t>) </m:t>
+                      </m:r>
+                    </m:oMath>
+                  </m:oMathPara>
+                </a14:m>
+                <a:endParaRPr lang="en-GB" dirty="0"/>
+              </a:p>
+              <a:p>
+                <a:pPr marL="60748" indent="0">
+                  <a:buNone/>
+                </a:pPr>
+                <a:endParaRPr lang="en-GB" dirty="0"/>
+              </a:p>
+              <a:p>
+                <a14:m>
+                  <m:oMath xmlns:m="http://schemas.openxmlformats.org/officeDocument/2006/math">
+                    <m:r>
+                      <a:rPr lang="en-US" b="0" i="1" smtClean="0">
+                        <a:latin typeface="Cambria Math" panose="02040503050406030204" pitchFamily="18" charset="0"/>
+                      </a:rPr>
+                      <m:t>𝐸</m:t>
+                    </m:r>
+                    <m:d>
+                      <m:dPr>
+                        <m:endChr m:val="|"/>
+                        <m:ctrlPr>
+                          <a:rPr lang="en-US" b="0" i="1" smtClean="0">
+                            <a:latin typeface="Cambria Math" panose="02040503050406030204" pitchFamily="18" charset="0"/>
+                          </a:rPr>
+                        </m:ctrlPr>
+                      </m:dPr>
+                      <m:e>
+                        <m:sSub>
+                          <m:sSubPr>
+                            <m:ctrlPr>
+                              <a:rPr lang="en-US" b="0" i="1" smtClean="0">
+                                <a:latin typeface="Cambria Math" panose="02040503050406030204" pitchFamily="18" charset="0"/>
+                              </a:rPr>
+                            </m:ctrlPr>
+                          </m:sSubPr>
+                          <m:e>
+                            <m:r>
+                              <a:rPr lang="en-US" b="0" i="1" smtClean="0">
+                                <a:latin typeface="Cambria Math" panose="02040503050406030204" pitchFamily="18" charset="0"/>
+                              </a:rPr>
+                              <m:t>𝑌</m:t>
+                            </m:r>
+                          </m:e>
+                          <m:sub>
+                            <m:r>
+                              <a:rPr lang="en-US" b="0" i="1" smtClean="0">
+                                <a:latin typeface="Cambria Math" panose="02040503050406030204" pitchFamily="18" charset="0"/>
+                              </a:rPr>
+                              <m:t>𝑖</m:t>
+                            </m:r>
+                          </m:sub>
+                        </m:sSub>
+                      </m:e>
+                    </m:d>
+                    <m:sSub>
+                      <m:sSubPr>
+                        <m:ctrlPr>
+                          <a:rPr lang="en-US" b="0" i="1" smtClean="0">
+                            <a:latin typeface="Cambria Math" panose="02040503050406030204" pitchFamily="18" charset="0"/>
+                          </a:rPr>
+                        </m:ctrlPr>
+                      </m:sSubPr>
+                      <m:e>
+                        <m:r>
+                          <a:rPr lang="en-US" b="0" i="1" smtClean="0">
+                            <a:latin typeface="Cambria Math" panose="02040503050406030204" pitchFamily="18" charset="0"/>
+                          </a:rPr>
+                          <m:t>𝑥</m:t>
+                        </m:r>
+                      </m:e>
+                      <m:sub>
+                        <m:r>
+                          <a:rPr lang="en-US" b="0" i="1" smtClean="0">
+                            <a:latin typeface="Cambria Math" panose="02040503050406030204" pitchFamily="18" charset="0"/>
+                          </a:rPr>
+                          <m:t>𝑖</m:t>
+                        </m:r>
+                      </m:sub>
+                    </m:sSub>
+                    <m:r>
+                      <a:rPr lang="en-US" b="0" i="1" smtClean="0">
+                        <a:latin typeface="Cambria Math" panose="02040503050406030204" pitchFamily="18" charset="0"/>
+                      </a:rPr>
+                      <m:t>)=</m:t>
+                    </m:r>
+                    <m:sSub>
+                      <m:sSubPr>
+                        <m:ctrlPr>
+                          <a:rPr lang="en-US" b="0" i="1" smtClean="0">
+                            <a:latin typeface="Cambria Math" panose="02040503050406030204" pitchFamily="18" charset="0"/>
+                          </a:rPr>
+                        </m:ctrlPr>
+                      </m:sSubPr>
+                      <m:e>
+                        <m:r>
+                          <a:rPr lang="en-US" b="0" i="1" smtClean="0">
+                            <a:latin typeface="Cambria Math" panose="02040503050406030204" pitchFamily="18" charset="0"/>
+                          </a:rPr>
+                          <m:t>𝛽</m:t>
+                        </m:r>
+                      </m:e>
+                      <m:sub>
+                        <m:r>
+                          <a:rPr lang="en-US" b="0" i="1" smtClean="0">
+                            <a:latin typeface="Cambria Math" panose="02040503050406030204" pitchFamily="18" charset="0"/>
+                          </a:rPr>
+                          <m:t>0</m:t>
+                        </m:r>
+                      </m:sub>
+                    </m:sSub>
+                    <m:r>
+                      <a:rPr lang="en-US" b="0" i="1" smtClean="0">
+                        <a:latin typeface="Cambria Math" panose="02040503050406030204" pitchFamily="18" charset="0"/>
+                      </a:rPr>
+                      <m:t>+</m:t>
+                    </m:r>
+                    <m:sSub>
+                      <m:sSubPr>
+                        <m:ctrlPr>
+                          <a:rPr lang="en-US" b="0" i="1" smtClean="0">
+                            <a:latin typeface="Cambria Math" panose="02040503050406030204" pitchFamily="18" charset="0"/>
+                          </a:rPr>
+                        </m:ctrlPr>
+                      </m:sSubPr>
+                      <m:e>
+                        <m:r>
+                          <a:rPr lang="en-US" b="0" i="1" smtClean="0">
+                            <a:latin typeface="Cambria Math" panose="02040503050406030204" pitchFamily="18" charset="0"/>
+                          </a:rPr>
+                          <m:t>𝛽</m:t>
+                        </m:r>
+                      </m:e>
+                      <m:sub>
+                        <m:r>
+                          <a:rPr lang="en-US" b="0" i="1" smtClean="0">
+                            <a:latin typeface="Cambria Math" panose="02040503050406030204" pitchFamily="18" charset="0"/>
+                          </a:rPr>
+                          <m:t>1</m:t>
+                        </m:r>
+                        <m:sSub>
+                          <m:sSubPr>
+                            <m:ctrlPr>
+                              <a:rPr lang="en-US" b="0" i="1" smtClean="0">
+                                <a:latin typeface="Cambria Math" panose="02040503050406030204" pitchFamily="18" charset="0"/>
+                              </a:rPr>
+                            </m:ctrlPr>
+                          </m:sSubPr>
+                          <m:e>
+                            <m:r>
+                              <a:rPr lang="en-US" b="0" i="1" smtClean="0">
+                                <a:latin typeface="Cambria Math" panose="02040503050406030204" pitchFamily="18" charset="0"/>
+                              </a:rPr>
+                              <m:t>𝑥</m:t>
+                            </m:r>
+                          </m:e>
+                          <m:sub>
+                            <m:r>
+                              <a:rPr lang="en-US" b="0" i="1" smtClean="0">
+                                <a:latin typeface="Cambria Math" panose="02040503050406030204" pitchFamily="18" charset="0"/>
+                              </a:rPr>
+                              <m:t>1</m:t>
+                            </m:r>
+                          </m:sub>
+                        </m:sSub>
+                      </m:sub>
+                    </m:sSub>
+                    <m:r>
+                      <a:rPr lang="en-US" b="0" i="1" smtClean="0">
+                        <a:latin typeface="Cambria Math" panose="02040503050406030204" pitchFamily="18" charset="0"/>
+                      </a:rPr>
+                      <m:t>+…+</m:t>
+                    </m:r>
+                    <m:sSub>
+                      <m:sSubPr>
+                        <m:ctrlPr>
+                          <a:rPr lang="en-US" b="0" i="1" smtClean="0">
+                            <a:latin typeface="Cambria Math" panose="02040503050406030204" pitchFamily="18" charset="0"/>
+                          </a:rPr>
+                        </m:ctrlPr>
+                      </m:sSubPr>
+                      <m:e>
+                        <m:r>
+                          <a:rPr lang="en-US" b="0" i="1" smtClean="0">
+                            <a:latin typeface="Cambria Math" panose="02040503050406030204" pitchFamily="18" charset="0"/>
+                          </a:rPr>
+                          <m:t>𝛽</m:t>
+                        </m:r>
+                      </m:e>
+                      <m:sub>
+                        <m:r>
+                          <a:rPr lang="en-US" b="0" i="1" smtClean="0">
+                            <a:latin typeface="Cambria Math" panose="02040503050406030204" pitchFamily="18" charset="0"/>
+                          </a:rPr>
+                          <m:t>𝑛</m:t>
+                        </m:r>
+                      </m:sub>
+                    </m:sSub>
+                    <m:sSub>
+                      <m:sSubPr>
+                        <m:ctrlPr>
+                          <a:rPr lang="en-US" b="0" i="1" smtClean="0">
+                            <a:latin typeface="Cambria Math" panose="02040503050406030204" pitchFamily="18" charset="0"/>
+                          </a:rPr>
+                        </m:ctrlPr>
+                      </m:sSubPr>
+                      <m:e>
+                        <m:r>
+                          <a:rPr lang="en-US" b="0" i="1" smtClean="0">
+                            <a:latin typeface="Cambria Math" panose="02040503050406030204" pitchFamily="18" charset="0"/>
+                          </a:rPr>
+                          <m:t>𝑥</m:t>
+                        </m:r>
+                      </m:e>
+                      <m:sub>
+                        <m:r>
+                          <a:rPr lang="en-US" b="0" i="1" smtClean="0">
+                            <a:latin typeface="Cambria Math" panose="02040503050406030204" pitchFamily="18" charset="0"/>
+                          </a:rPr>
+                          <m:t>𝑛</m:t>
+                        </m:r>
+                      </m:sub>
+                    </m:sSub>
+                  </m:oMath>
+                </a14:m>
+                <a:endParaRPr lang="en-GB" dirty="0"/>
+              </a:p>
+              <a:p>
+                <a14:m>
+                  <m:oMath xmlns:m="http://schemas.openxmlformats.org/officeDocument/2006/math">
+                    <m:r>
+                      <a:rPr lang="en-US" b="0" i="1" smtClean="0">
+                        <a:latin typeface="Cambria Math" panose="02040503050406030204" pitchFamily="18" charset="0"/>
+                      </a:rPr>
+                      <m:t>𝑉𝑎𝑟</m:t>
+                    </m:r>
+                    <m:d>
+                      <m:dPr>
+                        <m:ctrlPr>
+                          <a:rPr lang="en-US" b="0" i="1" smtClean="0">
+                            <a:latin typeface="Cambria Math" panose="02040503050406030204" pitchFamily="18" charset="0"/>
+                          </a:rPr>
+                        </m:ctrlPr>
+                      </m:dPr>
+                      <m:e>
+                        <m:sSub>
+                          <m:sSubPr>
+                            <m:ctrlPr>
+                              <a:rPr lang="en-US" b="0" i="1" smtClean="0">
+                                <a:latin typeface="Cambria Math" panose="02040503050406030204" pitchFamily="18" charset="0"/>
+                              </a:rPr>
+                            </m:ctrlPr>
+                          </m:sSubPr>
+                          <m:e>
+                            <m:r>
+                              <a:rPr lang="en-US" b="0" i="1" smtClean="0">
+                                <a:latin typeface="Cambria Math" panose="02040503050406030204" pitchFamily="18" charset="0"/>
+                              </a:rPr>
+                              <m:t>𝑌</m:t>
+                            </m:r>
+                          </m:e>
+                          <m:sub>
+                            <m:r>
+                              <a:rPr lang="en-US" b="0" i="1" smtClean="0">
+                                <a:latin typeface="Cambria Math" panose="02040503050406030204" pitchFamily="18" charset="0"/>
+                              </a:rPr>
+                              <m:t>𝑖</m:t>
+                            </m:r>
+                          </m:sub>
+                        </m:sSub>
+                      </m:e>
+                      <m:e>
+                        <m:sSub>
+                          <m:sSubPr>
+                            <m:ctrlPr>
+                              <a:rPr lang="en-US" b="0" i="1" smtClean="0">
+                                <a:latin typeface="Cambria Math" panose="02040503050406030204" pitchFamily="18" charset="0"/>
+                              </a:rPr>
+                            </m:ctrlPr>
+                          </m:sSubPr>
+                          <m:e>
+                            <m:r>
+                              <a:rPr lang="en-US" b="0" i="1" smtClean="0">
+                                <a:latin typeface="Cambria Math" panose="02040503050406030204" pitchFamily="18" charset="0"/>
+                              </a:rPr>
+                              <m:t>𝑥</m:t>
+                            </m:r>
+                          </m:e>
+                          <m:sub>
+                            <m:r>
+                              <a:rPr lang="en-US" b="0" i="1" smtClean="0">
+                                <a:latin typeface="Cambria Math" panose="02040503050406030204" pitchFamily="18" charset="0"/>
+                              </a:rPr>
+                              <m:t>𝑖</m:t>
+                            </m:r>
+                          </m:sub>
+                        </m:sSub>
+                      </m:e>
+                    </m:d>
+                    <m:r>
+                      <a:rPr lang="en-US" b="0" i="1" smtClean="0">
+                        <a:latin typeface="Cambria Math" panose="02040503050406030204" pitchFamily="18" charset="0"/>
+                      </a:rPr>
+                      <m:t>=</m:t>
+                    </m:r>
+                    <m:sSup>
+                      <m:sSupPr>
+                        <m:ctrlPr>
+                          <a:rPr lang="en-US" b="0" i="1" smtClean="0">
+                            <a:latin typeface="Cambria Math" panose="02040503050406030204" pitchFamily="18" charset="0"/>
+                          </a:rPr>
+                        </m:ctrlPr>
+                      </m:sSupPr>
+                      <m:e>
+                        <m:r>
+                          <a:rPr lang="en-US" b="0" i="1" smtClean="0">
+                            <a:latin typeface="Cambria Math" panose="02040503050406030204" pitchFamily="18" charset="0"/>
+                          </a:rPr>
+                          <m:t>𝜎</m:t>
+                        </m:r>
+                      </m:e>
+                      <m:sup>
+                        <m:r>
+                          <a:rPr lang="en-US" b="0" i="1" smtClean="0">
+                            <a:latin typeface="Cambria Math" panose="02040503050406030204" pitchFamily="18" charset="0"/>
+                          </a:rPr>
+                          <m:t>2</m:t>
+                        </m:r>
+                      </m:sup>
+                    </m:sSup>
+                  </m:oMath>
+                </a14:m>
+                <a:endParaRPr lang="en-US" b="0" dirty="0"/>
+              </a:p>
+              <a:p>
+                <a14:m>
+                  <m:oMath xmlns:m="http://schemas.openxmlformats.org/officeDocument/2006/math">
+                    <m:r>
+                      <a:rPr lang="en-US" b="0" i="1" smtClean="0">
+                        <a:latin typeface="Cambria Math" panose="02040503050406030204" pitchFamily="18" charset="0"/>
+                      </a:rPr>
+                      <m:t>𝐸</m:t>
+                    </m:r>
+                    <m:d>
+                      <m:dPr>
+                        <m:ctrlPr>
+                          <a:rPr lang="en-US" b="0" i="1" smtClean="0">
+                            <a:latin typeface="Cambria Math" panose="02040503050406030204" pitchFamily="18" charset="0"/>
+                          </a:rPr>
+                        </m:ctrlPr>
+                      </m:dPr>
+                      <m:e>
+                        <m:sSub>
+                          <m:sSubPr>
+                            <m:ctrlPr>
+                              <a:rPr lang="en-US" b="0" i="1" smtClean="0">
+                                <a:latin typeface="Cambria Math" panose="02040503050406030204" pitchFamily="18" charset="0"/>
+                              </a:rPr>
+                            </m:ctrlPr>
+                          </m:sSubPr>
+                          <m:e>
+                            <m:r>
+                              <a:rPr lang="en-US" b="0" i="1" smtClean="0">
+                                <a:latin typeface="Cambria Math" panose="02040503050406030204" pitchFamily="18" charset="0"/>
+                              </a:rPr>
+                              <m:t>𝜖</m:t>
+                            </m:r>
+                          </m:e>
+                          <m:sub>
+                            <m:r>
+                              <a:rPr lang="en-US" b="0" i="1" smtClean="0">
+                                <a:latin typeface="Cambria Math" panose="02040503050406030204" pitchFamily="18" charset="0"/>
+                              </a:rPr>
+                              <m:t>𝑖</m:t>
+                            </m:r>
+                          </m:sub>
+                        </m:sSub>
+                      </m:e>
+                    </m:d>
+                    <m:r>
+                      <a:rPr lang="en-US" b="0" i="1" smtClean="0">
+                        <a:latin typeface="Cambria Math" panose="02040503050406030204" pitchFamily="18" charset="0"/>
+                      </a:rPr>
+                      <m:t>=0</m:t>
+                    </m:r>
+                  </m:oMath>
+                </a14:m>
+                <a:endParaRPr lang="en-US" b="0" dirty="0"/>
+              </a:p>
+              <a:p>
+                <a14:m>
+                  <m:oMath xmlns:m="http://schemas.openxmlformats.org/officeDocument/2006/math">
+                    <m:r>
+                      <a:rPr lang="en-US" b="0" i="1" smtClean="0">
+                        <a:latin typeface="Cambria Math" panose="02040503050406030204" pitchFamily="18" charset="0"/>
+                      </a:rPr>
+                      <m:t>𝑉𝑎𝑟</m:t>
+                    </m:r>
+                    <m:d>
+                      <m:dPr>
+                        <m:ctrlPr>
+                          <a:rPr lang="en-US" b="0" i="1" smtClean="0">
+                            <a:latin typeface="Cambria Math" panose="02040503050406030204" pitchFamily="18" charset="0"/>
+                          </a:rPr>
+                        </m:ctrlPr>
+                      </m:dPr>
+                      <m:e>
+                        <m:sSub>
+                          <m:sSubPr>
+                            <m:ctrlPr>
+                              <a:rPr lang="en-US" b="0" i="1" smtClean="0">
+                                <a:latin typeface="Cambria Math" panose="02040503050406030204" pitchFamily="18" charset="0"/>
+                              </a:rPr>
+                            </m:ctrlPr>
+                          </m:sSubPr>
+                          <m:e>
+                            <m:r>
+                              <a:rPr lang="en-US" b="0" i="1" smtClean="0">
+                                <a:latin typeface="Cambria Math" panose="02040503050406030204" pitchFamily="18" charset="0"/>
+                              </a:rPr>
+                              <m:t>𝜖</m:t>
+                            </m:r>
+                          </m:e>
+                          <m:sub>
+                            <m:r>
+                              <a:rPr lang="en-US" b="0" i="1" smtClean="0">
+                                <a:latin typeface="Cambria Math" panose="02040503050406030204" pitchFamily="18" charset="0"/>
+                              </a:rPr>
+                              <m:t>𝑖</m:t>
+                            </m:r>
+                          </m:sub>
+                        </m:sSub>
+                      </m:e>
+                    </m:d>
+                  </m:oMath>
+                </a14:m>
+                <a:r>
+                  <a:rPr lang="en-GB" dirty="0"/>
+                  <a:t> is constant</a:t>
+                </a:r>
+              </a:p>
+              <a:p>
+                <a:r>
+                  <a:rPr lang="en-GB" dirty="0"/>
+                  <a:t>Observations are independent</a:t>
+                </a:r>
+              </a:p>
+              <a:p>
+                <a:r>
+                  <a:rPr lang="en-GB" dirty="0"/>
+                  <a:t>Data is normally distributed</a:t>
+                </a:r>
+              </a:p>
+            </p:txBody>
+          </p:sp>
+        </mc:Choice>
+        <mc:Fallback>
+          <p:sp>
+            <p:nvSpPr>
+              <p:cNvPr id="3" name="Content Placeholder 2">
+                <a:extLst>
+                  <a:ext uri="{FF2B5EF4-FFF2-40B4-BE49-F238E27FC236}">
+                    <a16:creationId xmlns:a16="http://schemas.microsoft.com/office/drawing/2014/main" id="{EEEEA7D9-4899-4FDA-9694-901C180B1A4A}"/>
+                  </a:ext>
+                </a:extLst>
+              </p:cNvPr>
+              <p:cNvSpPr>
+                <a:spLocks noGrp="1" noRot="1" noChangeAspect="1" noMove="1" noResize="1" noEditPoints="1" noAdjustHandles="1" noChangeArrowheads="1" noChangeShapeType="1" noTextEdit="1"/>
+              </p:cNvSpPr>
+              <p:nvPr>
+                <p:ph idx="1"/>
+              </p:nvPr>
+            </p:nvSpPr>
+            <p:spPr>
+              <a:blipFill>
+                <a:blip r:embed="rId3"/>
+                <a:stretch>
+                  <a:fillRect l="-497" b="-3627"/>
+                </a:stretch>
+              </a:blipFill>
+            </p:spPr>
+            <p:txBody>
+              <a:bodyPr/>
+              <a:lstStyle/>
+              <a:p>
+                <a:r>
+                  <a:rPr lang="en-GB">
+                    <a:noFill/>
+                  </a:rPr>
+                  <a:t> </a:t>
+                </a:r>
+              </a:p>
+            </p:txBody>
+          </p:sp>
+        </mc:Fallback>
+      </mc:AlternateContent>
     </p:spTree>
     <p:extLst>
       <p:ext uri="{BB962C8B-B14F-4D97-AF65-F5344CB8AC3E}">
-        <p14:creationId xmlns:p14="http://schemas.microsoft.com/office/powerpoint/2010/main" val="3332697726"/>
+        <p14:creationId xmlns:p14="http://schemas.microsoft.com/office/powerpoint/2010/main" val="1064055137"/>
       </p:ext>
     </p:extLst>
   </p:cSld>
@@ -5210,6 +6601,815 @@
           <a:chExt cx="0" cy="0"/>
         </a:xfrm>
       </p:grpSpPr>
+      <p:pic>
+        <p:nvPicPr>
+          <p:cNvPr id="8" name="Picture 7">
+            <a:extLst>
+              <a:ext uri="{FF2B5EF4-FFF2-40B4-BE49-F238E27FC236}">
+                <a16:creationId xmlns:a16="http://schemas.microsoft.com/office/drawing/2014/main" id="{2559D1CD-C86C-4297-9EEC-9C85EF41B802}"/>
+              </a:ext>
+            </a:extLst>
+          </p:cNvPr>
+          <p:cNvPicPr>
+            <a:picLocks noChangeAspect="1"/>
+          </p:cNvPicPr>
+          <p:nvPr/>
+        </p:nvPicPr>
+        <p:blipFill>
+          <a:blip r:embed="rId3"/>
+          <a:stretch>
+            <a:fillRect/>
+          </a:stretch>
+        </p:blipFill>
+        <p:spPr>
+          <a:xfrm>
+            <a:off x="1992536" y="3096748"/>
+            <a:ext cx="2952750" cy="664503"/>
+          </a:xfrm>
+          <a:prstGeom prst="rect">
+            <a:avLst/>
+          </a:prstGeom>
+        </p:spPr>
+      </p:pic>
+      <p:sp>
+        <p:nvSpPr>
+          <p:cNvPr id="2" name="Title 1">
+            <a:extLst>
+              <a:ext uri="{FF2B5EF4-FFF2-40B4-BE49-F238E27FC236}">
+                <a16:creationId xmlns:a16="http://schemas.microsoft.com/office/drawing/2014/main" id="{2751F515-C97F-5A51-D17B-3289C9458D15}"/>
+              </a:ext>
+            </a:extLst>
+          </p:cNvPr>
+          <p:cNvSpPr>
+            <a:spLocks noGrp="1"/>
+          </p:cNvSpPr>
+          <p:nvPr>
+            <p:ph type="title"/>
+          </p:nvPr>
+        </p:nvSpPr>
+        <p:spPr/>
+        <p:txBody>
+          <a:bodyPr/>
+          <a:lstStyle/>
+          <a:p>
+            <a:r>
+              <a:rPr lang="en-US" dirty="0"/>
+              <a:t>TMLE in more detail</a:t>
+            </a:r>
+            <a:endParaRPr lang="en-GB" dirty="0"/>
+          </a:p>
+        </p:txBody>
+      </p:sp>
+      <p:pic>
+        <p:nvPicPr>
+          <p:cNvPr id="4" name="Picture 3">
+            <a:extLst>
+              <a:ext uri="{FF2B5EF4-FFF2-40B4-BE49-F238E27FC236}">
+                <a16:creationId xmlns:a16="http://schemas.microsoft.com/office/drawing/2014/main" id="{D45D299D-91D5-4C00-B68C-FBF88F9A9B17}"/>
+              </a:ext>
+            </a:extLst>
+          </p:cNvPr>
+          <p:cNvPicPr>
+            <a:picLocks noChangeAspect="1"/>
+          </p:cNvPicPr>
+          <p:nvPr/>
+        </p:nvPicPr>
+        <p:blipFill>
+          <a:blip r:embed="rId4"/>
+          <a:stretch>
+            <a:fillRect/>
+          </a:stretch>
+        </p:blipFill>
+        <p:spPr>
+          <a:xfrm>
+            <a:off x="1223066" y="794781"/>
+            <a:ext cx="3722220" cy="909374"/>
+          </a:xfrm>
+          <a:prstGeom prst="rect">
+            <a:avLst/>
+          </a:prstGeom>
+        </p:spPr>
+      </p:pic>
+      <p:pic>
+        <p:nvPicPr>
+          <p:cNvPr id="5" name="Picture 4">
+            <a:extLst>
+              <a:ext uri="{FF2B5EF4-FFF2-40B4-BE49-F238E27FC236}">
+                <a16:creationId xmlns:a16="http://schemas.microsoft.com/office/drawing/2014/main" id="{10C532BB-EB8C-42AD-A691-F530FE862CAC}"/>
+              </a:ext>
+            </a:extLst>
+          </p:cNvPr>
+          <p:cNvPicPr>
+            <a:picLocks noChangeAspect="1"/>
+          </p:cNvPicPr>
+          <p:nvPr/>
+        </p:nvPicPr>
+        <p:blipFill>
+          <a:blip r:embed="rId5"/>
+          <a:stretch>
+            <a:fillRect/>
+          </a:stretch>
+        </p:blipFill>
+        <p:spPr>
+          <a:xfrm>
+            <a:off x="1223066" y="1692600"/>
+            <a:ext cx="4078674" cy="695346"/>
+          </a:xfrm>
+          <a:prstGeom prst="rect">
+            <a:avLst/>
+          </a:prstGeom>
+        </p:spPr>
+      </p:pic>
+      <p:pic>
+        <p:nvPicPr>
+          <p:cNvPr id="6" name="Picture 5">
+            <a:extLst>
+              <a:ext uri="{FF2B5EF4-FFF2-40B4-BE49-F238E27FC236}">
+                <a16:creationId xmlns:a16="http://schemas.microsoft.com/office/drawing/2014/main" id="{E39452E1-C724-4446-8E24-28EED8320FD7}"/>
+              </a:ext>
+            </a:extLst>
+          </p:cNvPr>
+          <p:cNvPicPr>
+            <a:picLocks noChangeAspect="1"/>
+          </p:cNvPicPr>
+          <p:nvPr/>
+        </p:nvPicPr>
+        <p:blipFill>
+          <a:blip r:embed="rId6"/>
+          <a:stretch>
+            <a:fillRect/>
+          </a:stretch>
+        </p:blipFill>
+        <p:spPr>
+          <a:xfrm>
+            <a:off x="6268550" y="1664953"/>
+            <a:ext cx="3851174" cy="675645"/>
+          </a:xfrm>
+          <a:prstGeom prst="rect">
+            <a:avLst/>
+          </a:prstGeom>
+        </p:spPr>
+      </p:pic>
+      <p:pic>
+        <p:nvPicPr>
+          <p:cNvPr id="7" name="Picture 6">
+            <a:extLst>
+              <a:ext uri="{FF2B5EF4-FFF2-40B4-BE49-F238E27FC236}">
+                <a16:creationId xmlns:a16="http://schemas.microsoft.com/office/drawing/2014/main" id="{5579D11A-EE1A-4F07-A4CD-21C1849D1386}"/>
+              </a:ext>
+            </a:extLst>
+          </p:cNvPr>
+          <p:cNvPicPr>
+            <a:picLocks noChangeAspect="1"/>
+          </p:cNvPicPr>
+          <p:nvPr/>
+        </p:nvPicPr>
+        <p:blipFill>
+          <a:blip r:embed="rId7"/>
+          <a:stretch>
+            <a:fillRect/>
+          </a:stretch>
+        </p:blipFill>
+        <p:spPr>
+          <a:xfrm>
+            <a:off x="1370569" y="2490111"/>
+            <a:ext cx="3323492" cy="760873"/>
+          </a:xfrm>
+          <a:prstGeom prst="rect">
+            <a:avLst/>
+          </a:prstGeom>
+        </p:spPr>
+      </p:pic>
+      <p:pic>
+        <p:nvPicPr>
+          <p:cNvPr id="9" name="Picture 8">
+            <a:extLst>
+              <a:ext uri="{FF2B5EF4-FFF2-40B4-BE49-F238E27FC236}">
+                <a16:creationId xmlns:a16="http://schemas.microsoft.com/office/drawing/2014/main" id="{0E5E44C0-35B4-44E5-A6D2-EE64C21AD819}"/>
+              </a:ext>
+            </a:extLst>
+          </p:cNvPr>
+          <p:cNvPicPr>
+            <a:picLocks noChangeAspect="1"/>
+          </p:cNvPicPr>
+          <p:nvPr/>
+        </p:nvPicPr>
+        <p:blipFill>
+          <a:blip r:embed="rId8"/>
+          <a:stretch>
+            <a:fillRect/>
+          </a:stretch>
+        </p:blipFill>
+        <p:spPr>
+          <a:xfrm>
+            <a:off x="6401909" y="3026115"/>
+            <a:ext cx="3081767" cy="604922"/>
+          </a:xfrm>
+          <a:prstGeom prst="rect">
+            <a:avLst/>
+          </a:prstGeom>
+        </p:spPr>
+      </p:pic>
+      <p:pic>
+        <p:nvPicPr>
+          <p:cNvPr id="13" name="Picture 12">
+            <a:extLst>
+              <a:ext uri="{FF2B5EF4-FFF2-40B4-BE49-F238E27FC236}">
+                <a16:creationId xmlns:a16="http://schemas.microsoft.com/office/drawing/2014/main" id="{795B2C4B-E3B3-4FF4-ADFE-B0C538E50995}"/>
+              </a:ext>
+            </a:extLst>
+          </p:cNvPr>
+          <p:cNvPicPr>
+            <a:picLocks noChangeAspect="1"/>
+          </p:cNvPicPr>
+          <p:nvPr/>
+        </p:nvPicPr>
+        <p:blipFill rotWithShape="1">
+          <a:blip r:embed="rId9"/>
+          <a:srcRect r="-602"/>
+          <a:stretch/>
+        </p:blipFill>
+        <p:spPr>
+          <a:xfrm>
+            <a:off x="1370569" y="3906143"/>
+            <a:ext cx="5539142" cy="601951"/>
+          </a:xfrm>
+          <a:prstGeom prst="rect">
+            <a:avLst/>
+          </a:prstGeom>
+        </p:spPr>
+      </p:pic>
+      <p:pic>
+        <p:nvPicPr>
+          <p:cNvPr id="14" name="Picture 13">
+            <a:extLst>
+              <a:ext uri="{FF2B5EF4-FFF2-40B4-BE49-F238E27FC236}">
+                <a16:creationId xmlns:a16="http://schemas.microsoft.com/office/drawing/2014/main" id="{690CE1D9-39F9-4C47-A3CC-467391764F2A}"/>
+              </a:ext>
+            </a:extLst>
+          </p:cNvPr>
+          <p:cNvPicPr>
+            <a:picLocks noChangeAspect="1"/>
+          </p:cNvPicPr>
+          <p:nvPr/>
+        </p:nvPicPr>
+        <p:blipFill>
+          <a:blip r:embed="rId10"/>
+          <a:stretch>
+            <a:fillRect/>
+          </a:stretch>
+        </p:blipFill>
+        <p:spPr>
+          <a:xfrm>
+            <a:off x="8092895" y="3681014"/>
+            <a:ext cx="3534268" cy="752580"/>
+          </a:xfrm>
+          <a:prstGeom prst="rect">
+            <a:avLst/>
+          </a:prstGeom>
+        </p:spPr>
+      </p:pic>
+      <p:pic>
+        <p:nvPicPr>
+          <p:cNvPr id="15" name="Picture 14">
+            <a:extLst>
+              <a:ext uri="{FF2B5EF4-FFF2-40B4-BE49-F238E27FC236}">
+                <a16:creationId xmlns:a16="http://schemas.microsoft.com/office/drawing/2014/main" id="{F833EA34-1C9A-4C36-8291-B5C66B381BB0}"/>
+              </a:ext>
+            </a:extLst>
+          </p:cNvPr>
+          <p:cNvPicPr>
+            <a:picLocks noChangeAspect="1"/>
+          </p:cNvPicPr>
+          <p:nvPr/>
+        </p:nvPicPr>
+        <p:blipFill>
+          <a:blip r:embed="rId11"/>
+          <a:stretch>
+            <a:fillRect/>
+          </a:stretch>
+        </p:blipFill>
+        <p:spPr>
+          <a:xfrm>
+            <a:off x="1413840" y="4691321"/>
+            <a:ext cx="4371305" cy="952633"/>
+          </a:xfrm>
+          <a:prstGeom prst="rect">
+            <a:avLst/>
+          </a:prstGeom>
+        </p:spPr>
+      </p:pic>
+      <p:pic>
+        <p:nvPicPr>
+          <p:cNvPr id="16" name="Picture 15">
+            <a:extLst>
+              <a:ext uri="{FF2B5EF4-FFF2-40B4-BE49-F238E27FC236}">
+                <a16:creationId xmlns:a16="http://schemas.microsoft.com/office/drawing/2014/main" id="{DC23A144-EE38-4F5F-B0FF-0F0D1E797FAF}"/>
+              </a:ext>
+            </a:extLst>
+          </p:cNvPr>
+          <p:cNvPicPr>
+            <a:picLocks noChangeAspect="1"/>
+          </p:cNvPicPr>
+          <p:nvPr/>
+        </p:nvPicPr>
+        <p:blipFill>
+          <a:blip r:embed="rId12"/>
+          <a:stretch>
+            <a:fillRect/>
+          </a:stretch>
+        </p:blipFill>
+        <p:spPr>
+          <a:xfrm>
+            <a:off x="6401909" y="4611086"/>
+            <a:ext cx="4292631" cy="930070"/>
+          </a:xfrm>
+          <a:prstGeom prst="rect">
+            <a:avLst/>
+          </a:prstGeom>
+        </p:spPr>
+      </p:pic>
+      <p:sp>
+        <p:nvSpPr>
+          <p:cNvPr id="18" name="TextBox 17">
+            <a:extLst>
+              <a:ext uri="{FF2B5EF4-FFF2-40B4-BE49-F238E27FC236}">
+                <a16:creationId xmlns:a16="http://schemas.microsoft.com/office/drawing/2014/main" id="{736DE9CC-B6BE-45B6-975F-2C16C604FBC0}"/>
+              </a:ext>
+            </a:extLst>
+          </p:cNvPr>
+          <p:cNvSpPr txBox="1"/>
+          <p:nvPr/>
+        </p:nvSpPr>
+        <p:spPr>
+          <a:xfrm>
+            <a:off x="5586212" y="1746967"/>
+            <a:ext cx="397866" cy="511615"/>
+          </a:xfrm>
+          <a:prstGeom prst="rect">
+            <a:avLst/>
+          </a:prstGeom>
+          <a:noFill/>
+        </p:spPr>
+        <p:txBody>
+          <a:bodyPr wrap="none" rtlCol="0">
+            <a:spAutoFit/>
+          </a:bodyPr>
+          <a:lstStyle/>
+          <a:p>
+            <a:pPr algn="l">
+              <a:lnSpc>
+                <a:spcPct val="120000"/>
+              </a:lnSpc>
+            </a:pPr>
+            <a:r>
+              <a:rPr lang="en-GB" sz="2500" dirty="0"/>
+              <a:t>&amp;</a:t>
+            </a:r>
+          </a:p>
+        </p:txBody>
+      </p:sp>
+      <p:sp>
+        <p:nvSpPr>
+          <p:cNvPr id="19" name="TextBox 18">
+            <a:extLst>
+              <a:ext uri="{FF2B5EF4-FFF2-40B4-BE49-F238E27FC236}">
+                <a16:creationId xmlns:a16="http://schemas.microsoft.com/office/drawing/2014/main" id="{FAB11FF1-98C9-422B-8363-8AC1F18ECF26}"/>
+              </a:ext>
+            </a:extLst>
+          </p:cNvPr>
+          <p:cNvSpPr txBox="1"/>
+          <p:nvPr/>
+        </p:nvSpPr>
+        <p:spPr>
+          <a:xfrm>
+            <a:off x="5474664" y="3169399"/>
+            <a:ext cx="397866" cy="511615"/>
+          </a:xfrm>
+          <a:prstGeom prst="rect">
+            <a:avLst/>
+          </a:prstGeom>
+          <a:noFill/>
+        </p:spPr>
+        <p:txBody>
+          <a:bodyPr wrap="none" rtlCol="0">
+            <a:spAutoFit/>
+          </a:bodyPr>
+          <a:lstStyle/>
+          <a:p>
+            <a:pPr algn="l">
+              <a:lnSpc>
+                <a:spcPct val="120000"/>
+              </a:lnSpc>
+            </a:pPr>
+            <a:r>
+              <a:rPr lang="en-GB" sz="2500" dirty="0"/>
+              <a:t>&amp;</a:t>
+            </a:r>
+          </a:p>
+        </p:txBody>
+      </p:sp>
+      <p:sp>
+        <p:nvSpPr>
+          <p:cNvPr id="20" name="TextBox 19">
+            <a:extLst>
+              <a:ext uri="{FF2B5EF4-FFF2-40B4-BE49-F238E27FC236}">
+                <a16:creationId xmlns:a16="http://schemas.microsoft.com/office/drawing/2014/main" id="{159181BF-DF80-4A5B-A32F-24CC7AB14A7E}"/>
+              </a:ext>
+            </a:extLst>
+          </p:cNvPr>
+          <p:cNvSpPr txBox="1"/>
+          <p:nvPr/>
+        </p:nvSpPr>
+        <p:spPr>
+          <a:xfrm>
+            <a:off x="7251875" y="3896691"/>
+            <a:ext cx="498855" cy="511743"/>
+          </a:xfrm>
+          <a:prstGeom prst="rect">
+            <a:avLst/>
+          </a:prstGeom>
+          <a:noFill/>
+        </p:spPr>
+        <p:txBody>
+          <a:bodyPr wrap="none" rtlCol="0">
+            <a:spAutoFit/>
+          </a:bodyPr>
+          <a:lstStyle/>
+          <a:p>
+            <a:pPr algn="l">
+              <a:lnSpc>
+                <a:spcPct val="120000"/>
+              </a:lnSpc>
+            </a:pPr>
+            <a:r>
+              <a:rPr lang="en-GB" sz="2500" dirty="0">
+                <a:sym typeface="Wingdings" panose="05000000000000000000" pitchFamily="2" charset="2"/>
+              </a:rPr>
+              <a:t></a:t>
+            </a:r>
+            <a:endParaRPr lang="en-GB" sz="2500" dirty="0"/>
+          </a:p>
+        </p:txBody>
+      </p:sp>
+      <p:sp>
+        <p:nvSpPr>
+          <p:cNvPr id="21" name="TextBox 20">
+            <a:extLst>
+              <a:ext uri="{FF2B5EF4-FFF2-40B4-BE49-F238E27FC236}">
+                <a16:creationId xmlns:a16="http://schemas.microsoft.com/office/drawing/2014/main" id="{6EB604DC-7F81-41E6-8E96-A2221810670A}"/>
+              </a:ext>
+            </a:extLst>
+          </p:cNvPr>
+          <p:cNvSpPr txBox="1"/>
+          <p:nvPr/>
+        </p:nvSpPr>
+        <p:spPr>
+          <a:xfrm>
+            <a:off x="5872530" y="4868638"/>
+            <a:ext cx="397866" cy="511615"/>
+          </a:xfrm>
+          <a:prstGeom prst="rect">
+            <a:avLst/>
+          </a:prstGeom>
+          <a:noFill/>
+        </p:spPr>
+        <p:txBody>
+          <a:bodyPr wrap="none" rtlCol="0">
+            <a:spAutoFit/>
+          </a:bodyPr>
+          <a:lstStyle/>
+          <a:p>
+            <a:pPr algn="l">
+              <a:lnSpc>
+                <a:spcPct val="120000"/>
+              </a:lnSpc>
+            </a:pPr>
+            <a:r>
+              <a:rPr lang="en-GB" sz="2500" dirty="0"/>
+              <a:t>&amp;</a:t>
+            </a:r>
+          </a:p>
+        </p:txBody>
+      </p:sp>
+      <p:sp>
+        <p:nvSpPr>
+          <p:cNvPr id="22" name="TextBox 21">
+            <a:extLst>
+              <a:ext uri="{FF2B5EF4-FFF2-40B4-BE49-F238E27FC236}">
+                <a16:creationId xmlns:a16="http://schemas.microsoft.com/office/drawing/2014/main" id="{4AEB0138-85BC-4557-8A45-FCB23328739D}"/>
+              </a:ext>
+            </a:extLst>
+          </p:cNvPr>
+          <p:cNvSpPr txBox="1"/>
+          <p:nvPr/>
+        </p:nvSpPr>
+        <p:spPr>
+          <a:xfrm>
+            <a:off x="468746" y="968905"/>
+            <a:ext cx="452368" cy="511615"/>
+          </a:xfrm>
+          <a:prstGeom prst="rect">
+            <a:avLst/>
+          </a:prstGeom>
+          <a:noFill/>
+        </p:spPr>
+        <p:txBody>
+          <a:bodyPr wrap="none" rtlCol="0">
+            <a:spAutoFit/>
+          </a:bodyPr>
+          <a:lstStyle/>
+          <a:p>
+            <a:pPr algn="l">
+              <a:lnSpc>
+                <a:spcPct val="120000"/>
+              </a:lnSpc>
+            </a:pPr>
+            <a:r>
+              <a:rPr lang="en-GB" sz="2500" dirty="0"/>
+              <a:t>1.</a:t>
+            </a:r>
+          </a:p>
+        </p:txBody>
+      </p:sp>
+      <p:sp>
+        <p:nvSpPr>
+          <p:cNvPr id="23" name="TextBox 22">
+            <a:extLst>
+              <a:ext uri="{FF2B5EF4-FFF2-40B4-BE49-F238E27FC236}">
+                <a16:creationId xmlns:a16="http://schemas.microsoft.com/office/drawing/2014/main" id="{1BFC75A0-60F9-4D02-B7E8-565B0EBF8F34}"/>
+              </a:ext>
+            </a:extLst>
+          </p:cNvPr>
+          <p:cNvSpPr txBox="1"/>
+          <p:nvPr/>
+        </p:nvSpPr>
+        <p:spPr>
+          <a:xfrm>
+            <a:off x="463737" y="2554238"/>
+            <a:ext cx="452368" cy="511615"/>
+          </a:xfrm>
+          <a:prstGeom prst="rect">
+            <a:avLst/>
+          </a:prstGeom>
+          <a:noFill/>
+        </p:spPr>
+        <p:txBody>
+          <a:bodyPr wrap="none" rtlCol="0">
+            <a:spAutoFit/>
+          </a:bodyPr>
+          <a:lstStyle/>
+          <a:p>
+            <a:pPr algn="l">
+              <a:lnSpc>
+                <a:spcPct val="120000"/>
+              </a:lnSpc>
+            </a:pPr>
+            <a:r>
+              <a:rPr lang="en-GB" sz="2500" dirty="0"/>
+              <a:t>2.</a:t>
+            </a:r>
+          </a:p>
+        </p:txBody>
+      </p:sp>
+      <p:sp>
+        <p:nvSpPr>
+          <p:cNvPr id="24" name="TextBox 23">
+            <a:extLst>
+              <a:ext uri="{FF2B5EF4-FFF2-40B4-BE49-F238E27FC236}">
+                <a16:creationId xmlns:a16="http://schemas.microsoft.com/office/drawing/2014/main" id="{9A40349D-C2C8-4B5A-A69A-E354F9AD44DA}"/>
+              </a:ext>
+            </a:extLst>
+          </p:cNvPr>
+          <p:cNvSpPr txBox="1"/>
+          <p:nvPr/>
+        </p:nvSpPr>
+        <p:spPr>
+          <a:xfrm>
+            <a:off x="463737" y="3896691"/>
+            <a:ext cx="452368" cy="511615"/>
+          </a:xfrm>
+          <a:prstGeom prst="rect">
+            <a:avLst/>
+          </a:prstGeom>
+          <a:noFill/>
+        </p:spPr>
+        <p:txBody>
+          <a:bodyPr wrap="none" rtlCol="0">
+            <a:spAutoFit/>
+          </a:bodyPr>
+          <a:lstStyle/>
+          <a:p>
+            <a:pPr algn="l">
+              <a:lnSpc>
+                <a:spcPct val="120000"/>
+              </a:lnSpc>
+            </a:pPr>
+            <a:r>
+              <a:rPr lang="en-GB" sz="2500" dirty="0"/>
+              <a:t>3.</a:t>
+            </a:r>
+          </a:p>
+        </p:txBody>
+      </p:sp>
+      <p:sp>
+        <p:nvSpPr>
+          <p:cNvPr id="25" name="TextBox 24">
+            <a:extLst>
+              <a:ext uri="{FF2B5EF4-FFF2-40B4-BE49-F238E27FC236}">
+                <a16:creationId xmlns:a16="http://schemas.microsoft.com/office/drawing/2014/main" id="{44751A39-9881-4DC3-A9DE-6EC9E9EFADC7}"/>
+              </a:ext>
+            </a:extLst>
+          </p:cNvPr>
+          <p:cNvSpPr txBox="1"/>
+          <p:nvPr/>
+        </p:nvSpPr>
+        <p:spPr>
+          <a:xfrm>
+            <a:off x="463737" y="4820313"/>
+            <a:ext cx="452368" cy="511615"/>
+          </a:xfrm>
+          <a:prstGeom prst="rect">
+            <a:avLst/>
+          </a:prstGeom>
+          <a:noFill/>
+        </p:spPr>
+        <p:txBody>
+          <a:bodyPr wrap="none" rtlCol="0">
+            <a:spAutoFit/>
+          </a:bodyPr>
+          <a:lstStyle/>
+          <a:p>
+            <a:pPr algn="l">
+              <a:lnSpc>
+                <a:spcPct val="120000"/>
+              </a:lnSpc>
+            </a:pPr>
+            <a:r>
+              <a:rPr lang="en-GB" sz="2500" dirty="0"/>
+              <a:t>4.</a:t>
+            </a:r>
+          </a:p>
+        </p:txBody>
+      </p:sp>
+      <p:sp>
+        <p:nvSpPr>
+          <p:cNvPr id="26" name="Rectangle: Rounded Corners 25">
+            <a:extLst>
+              <a:ext uri="{FF2B5EF4-FFF2-40B4-BE49-F238E27FC236}">
+                <a16:creationId xmlns:a16="http://schemas.microsoft.com/office/drawing/2014/main" id="{B773B025-B2B5-4451-99AE-554E78BA778A}"/>
+              </a:ext>
+            </a:extLst>
+          </p:cNvPr>
+          <p:cNvSpPr/>
+          <p:nvPr/>
+        </p:nvSpPr>
+        <p:spPr>
+          <a:xfrm>
+            <a:off x="222738" y="5643954"/>
+            <a:ext cx="1617785" cy="1160331"/>
+          </a:xfrm>
+          <a:prstGeom prst="roundRect">
+            <a:avLst/>
+          </a:prstGeom>
+          <a:solidFill>
+            <a:schemeClr val="bg1"/>
+          </a:solidFill>
+          <a:ln w="31750">
+            <a:solidFill>
+              <a:schemeClr val="bg1"/>
+            </a:solidFill>
+          </a:ln>
+        </p:spPr>
+        <p:style>
+          <a:lnRef idx="2">
+            <a:schemeClr val="accent1">
+              <a:shade val="50000"/>
+            </a:schemeClr>
+          </a:lnRef>
+          <a:fillRef idx="1">
+            <a:schemeClr val="accent1"/>
+          </a:fillRef>
+          <a:effectRef idx="0">
+            <a:schemeClr val="accent1"/>
+          </a:effectRef>
+          <a:fontRef idx="minor">
+            <a:schemeClr val="lt1"/>
+          </a:fontRef>
+        </p:style>
+        <p:txBody>
+          <a:bodyPr rtlCol="0" anchor="ctr"/>
+          <a:lstStyle/>
+          <a:p>
+            <a:pPr algn="ctr"/>
+            <a:endParaRPr lang="en-GB">
+              <a:solidFill>
+                <a:schemeClr val="tx1"/>
+              </a:solidFill>
+            </a:endParaRPr>
+          </a:p>
+        </p:txBody>
+      </p:sp>
+      <p:pic>
+        <p:nvPicPr>
+          <p:cNvPr id="17" name="Picture 16">
+            <a:extLst>
+              <a:ext uri="{FF2B5EF4-FFF2-40B4-BE49-F238E27FC236}">
+                <a16:creationId xmlns:a16="http://schemas.microsoft.com/office/drawing/2014/main" id="{E9105719-5222-4105-B0E3-463FD8E501A4}"/>
+              </a:ext>
+            </a:extLst>
+          </p:cNvPr>
+          <p:cNvPicPr>
+            <a:picLocks noChangeAspect="1"/>
+          </p:cNvPicPr>
+          <p:nvPr/>
+        </p:nvPicPr>
+        <p:blipFill>
+          <a:blip r:embed="rId13"/>
+          <a:stretch>
+            <a:fillRect/>
+          </a:stretch>
+        </p:blipFill>
+        <p:spPr>
+          <a:xfrm>
+            <a:off x="1370569" y="5610153"/>
+            <a:ext cx="3860863" cy="1160331"/>
+          </a:xfrm>
+          <a:prstGeom prst="rect">
+            <a:avLst/>
+          </a:prstGeom>
+        </p:spPr>
+      </p:pic>
+      <p:sp>
+        <p:nvSpPr>
+          <p:cNvPr id="27" name="TextBox 26">
+            <a:extLst>
+              <a:ext uri="{FF2B5EF4-FFF2-40B4-BE49-F238E27FC236}">
+                <a16:creationId xmlns:a16="http://schemas.microsoft.com/office/drawing/2014/main" id="{A4913DC6-6D83-4899-9F76-A93677595B97}"/>
+              </a:ext>
+            </a:extLst>
+          </p:cNvPr>
+          <p:cNvSpPr txBox="1"/>
+          <p:nvPr/>
+        </p:nvSpPr>
+        <p:spPr>
+          <a:xfrm>
+            <a:off x="477302" y="5889095"/>
+            <a:ext cx="452368" cy="511615"/>
+          </a:xfrm>
+          <a:prstGeom prst="rect">
+            <a:avLst/>
+          </a:prstGeom>
+          <a:noFill/>
+        </p:spPr>
+        <p:txBody>
+          <a:bodyPr wrap="none" rtlCol="0">
+            <a:spAutoFit/>
+          </a:bodyPr>
+          <a:lstStyle/>
+          <a:p>
+            <a:pPr algn="l">
+              <a:lnSpc>
+                <a:spcPct val="120000"/>
+              </a:lnSpc>
+            </a:pPr>
+            <a:r>
+              <a:rPr lang="en-GB" sz="2500" dirty="0"/>
+              <a:t>5.</a:t>
+            </a:r>
+          </a:p>
+        </p:txBody>
+      </p:sp>
+    </p:spTree>
+    <p:extLst>
+      <p:ext uri="{BB962C8B-B14F-4D97-AF65-F5344CB8AC3E}">
+        <p14:creationId xmlns:p14="http://schemas.microsoft.com/office/powerpoint/2010/main" val="3332697726"/>
+      </p:ext>
+    </p:extLst>
+  </p:cSld>
+  <p:clrMapOvr>
+    <a:masterClrMapping/>
+  </p:clrMapOvr>
+</p:sld>
+</file>
+
+<file path=ppt/slides/slide15.xml><?xml version="1.0" encoding="utf-8"?>
+<p:sld xmlns:a="http://schemas.openxmlformats.org/drawingml/2006/main" xmlns:r="http://schemas.openxmlformats.org/officeDocument/2006/relationships" xmlns:p="http://schemas.openxmlformats.org/presentationml/2006/main">
+  <p:cSld>
+    <p:spTree>
+      <p:nvGrpSpPr>
+        <p:cNvPr id="1" name=""/>
+        <p:cNvGrpSpPr/>
+        <p:nvPr/>
+      </p:nvGrpSpPr>
+      <p:grpSpPr>
+        <a:xfrm>
+          <a:off x="0" y="0"/>
+          <a:ext cx="0" cy="0"/>
+          <a:chOff x="0" y="0"/>
+          <a:chExt cx="0" cy="0"/>
+        </a:xfrm>
+      </p:grpSpPr>
       <p:sp>
         <p:nvSpPr>
           <p:cNvPr id="2" name="Title 1">
@@ -5267,15 +7467,17 @@
               <a:rPr lang="en-GB" dirty="0">
                 <a:sym typeface="Wingdings" panose="05000000000000000000" pitchFamily="2" charset="2"/>
               </a:rPr>
-              <a:t> </a:t>
-            </a:r>
-            <a:r>
-              <a:rPr lang="en-GB">
+              <a:t> 10 should be 1.0</a:t>
+            </a:r>
+          </a:p>
+          <a:p>
+            <a:r>
+              <a:rPr lang="en-GB" dirty="0">
                 <a:sym typeface="Wingdings" panose="05000000000000000000" pitchFamily="2" charset="2"/>
               </a:rPr>
-              <a:t>10 should be 1.0</a:t>
-            </a:r>
-            <a:endParaRPr lang="en-GB"/>
+              <a:t>Bootstrap t-test could have been done fully non-parametric</a:t>
+            </a:r>
+            <a:endParaRPr lang="en-GB" dirty="0"/>
           </a:p>
         </p:txBody>
       </p:sp>
@@ -7948,7 +10150,11 @@
                   <a:buChar char="•"/>
                 </a:pPr>
                 <a:r>
-                  <a:rPr lang="en-GB" dirty="0"/>
+                  <a:rPr lang="en-GB" dirty="0">
+                    <a:solidFill>
+                      <a:schemeClr val="accent2"/>
+                    </a:solidFill>
+                  </a:rPr>
                   <a:t>CLR transform the data: </a:t>
                 </a:r>
                 <a14:m>
@@ -7957,6 +10163,9 @@
                       <m:funcPr>
                         <m:ctrlPr>
                           <a:rPr lang="en-US" b="0" i="1" smtClean="0">
+                            <a:solidFill>
+                              <a:schemeClr val="accent2"/>
+                            </a:solidFill>
                             <a:latin typeface="Cambria Math" panose="02040503050406030204" pitchFamily="18" charset="0"/>
                           </a:rPr>
                         </m:ctrlPr>
@@ -7964,6 +10173,9 @@
                       <m:fName>
                         <m:r>
                           <a:rPr lang="en-US" b="0" i="1" smtClean="0">
+                            <a:solidFill>
+                              <a:schemeClr val="accent2"/>
+                            </a:solidFill>
                             <a:latin typeface="Cambria Math" panose="02040503050406030204" pitchFamily="18" charset="0"/>
                           </a:rPr>
                           <m:t>𝑙𝑜𝑔</m:t>
@@ -7974,6 +10186,9 @@
                           <m:dPr>
                             <m:ctrlPr>
                               <a:rPr lang="en-US" b="0" i="1" smtClean="0">
+                                <a:solidFill>
+                                  <a:schemeClr val="accent2"/>
+                                </a:solidFill>
                                 <a:latin typeface="Cambria Math" panose="02040503050406030204" pitchFamily="18" charset="0"/>
                               </a:rPr>
                             </m:ctrlPr>
@@ -7983,6 +10198,9 @@
                               <m:fPr>
                                 <m:ctrlPr>
                                   <a:rPr lang="en-US" b="0" i="1" smtClean="0">
+                                    <a:solidFill>
+                                      <a:schemeClr val="accent2"/>
+                                    </a:solidFill>
                                     <a:latin typeface="Cambria Math" panose="02040503050406030204" pitchFamily="18" charset="0"/>
                                   </a:rPr>
                                 </m:ctrlPr>
@@ -7992,6 +10210,9 @@
                                   <m:sSubPr>
                                     <m:ctrlPr>
                                       <a:rPr lang="en-US" b="0" i="1" smtClean="0">
+                                        <a:solidFill>
+                                          <a:schemeClr val="accent2"/>
+                                        </a:solidFill>
                                         <a:latin typeface="Cambria Math" panose="02040503050406030204" pitchFamily="18" charset="0"/>
                                       </a:rPr>
                                     </m:ctrlPr>
@@ -7999,6 +10220,9 @@
                                   <m:e>
                                     <m:r>
                                       <a:rPr lang="en-US" i="1">
+                                        <a:solidFill>
+                                          <a:schemeClr val="accent2"/>
+                                        </a:solidFill>
                                         <a:latin typeface="Cambria Math" panose="02040503050406030204" pitchFamily="18" charset="0"/>
                                       </a:rPr>
                                       <m:t>𝑌</m:t>
@@ -8007,6 +10231,9 @@
                                   <m:sub>
                                     <m:r>
                                       <a:rPr lang="en-US" i="1">
+                                        <a:solidFill>
+                                          <a:schemeClr val="accent2"/>
+                                        </a:solidFill>
                                         <a:latin typeface="Cambria Math" panose="02040503050406030204" pitchFamily="18" charset="0"/>
                                       </a:rPr>
                                       <m:t>𝑖𝑝𝑐</m:t>
@@ -8019,6 +10246,9 @@
                                   <m:sSupPr>
                                     <m:ctrlPr>
                                       <a:rPr lang="en-US" b="0" i="1" smtClean="0">
+                                        <a:solidFill>
+                                          <a:schemeClr val="accent2"/>
+                                        </a:solidFill>
                                         <a:latin typeface="Cambria Math" panose="02040503050406030204" pitchFamily="18" charset="0"/>
                                       </a:rPr>
                                     </m:ctrlPr>
@@ -8026,6 +10256,9 @@
                                   <m:e>
                                     <m:r>
                                       <a:rPr lang="en-US" i="1">
+                                        <a:solidFill>
+                                          <a:schemeClr val="accent2"/>
+                                        </a:solidFill>
                                         <a:latin typeface="Cambria Math" panose="02040503050406030204" pitchFamily="18" charset="0"/>
                                       </a:rPr>
                                       <m:t>(</m:t>
@@ -8035,6 +10268,9 @@
                                         <m:chr m:val="∏"/>
                                         <m:ctrlPr>
                                           <a:rPr lang="en-US" i="1">
+                                            <a:solidFill>
+                                              <a:schemeClr val="accent2"/>
+                                            </a:solidFill>
                                             <a:latin typeface="Cambria Math" panose="02040503050406030204" pitchFamily="18" charset="0"/>
                                           </a:rPr>
                                         </m:ctrlPr>
@@ -8042,12 +10278,18 @@
                                       <m:sub>
                                         <m:r>
                                           <a:rPr lang="en-US" b="0" i="1" smtClean="0">
+                                            <a:solidFill>
+                                              <a:schemeClr val="accent2"/>
+                                            </a:solidFill>
                                             <a:latin typeface="Cambria Math" panose="02040503050406030204" pitchFamily="18" charset="0"/>
                                           </a:rPr>
                                           <m:t>𝑝</m:t>
                                         </m:r>
                                         <m:r>
                                           <a:rPr lang="en-US" b="0" i="1" smtClean="0">
+                                            <a:solidFill>
+                                              <a:schemeClr val="accent2"/>
+                                            </a:solidFill>
                                             <a:latin typeface="Cambria Math" panose="02040503050406030204" pitchFamily="18" charset="0"/>
                                           </a:rPr>
                                           <m:t>=1</m:t>
@@ -8056,6 +10298,9 @@
                                       <m:sup>
                                         <m:r>
                                           <a:rPr lang="en-US" i="1">
+                                            <a:solidFill>
+                                              <a:schemeClr val="accent2"/>
+                                            </a:solidFill>
                                             <a:latin typeface="Cambria Math" panose="02040503050406030204" pitchFamily="18" charset="0"/>
                                           </a:rPr>
                                           <m:t>𝐾</m:t>
@@ -8066,6 +10311,9 @@
                                           <m:sSubPr>
                                             <m:ctrlPr>
                                               <a:rPr lang="en-US" i="1">
+                                                <a:solidFill>
+                                                  <a:schemeClr val="accent2"/>
+                                                </a:solidFill>
                                                 <a:latin typeface="Cambria Math" panose="02040503050406030204" pitchFamily="18" charset="0"/>
                                               </a:rPr>
                                             </m:ctrlPr>
@@ -8073,6 +10321,9 @@
                                           <m:e>
                                             <m:r>
                                               <a:rPr lang="en-US" i="1">
+                                                <a:solidFill>
+                                                  <a:schemeClr val="accent2"/>
+                                                </a:solidFill>
                                                 <a:latin typeface="Cambria Math" panose="02040503050406030204" pitchFamily="18" charset="0"/>
                                               </a:rPr>
                                               <m:t>𝑌</m:t>
@@ -8081,6 +10332,9 @@
                                           <m:sub>
                                             <m:r>
                                               <a:rPr lang="en-US" i="1">
+                                                <a:solidFill>
+                                                  <a:schemeClr val="accent2"/>
+                                                </a:solidFill>
                                                 <a:latin typeface="Cambria Math" panose="02040503050406030204" pitchFamily="18" charset="0"/>
                                               </a:rPr>
                                               <m:t>𝑖𝑐</m:t>
@@ -8089,6 +10343,9 @@
                                         </m:sSub>
                                         <m:r>
                                           <a:rPr lang="en-US" i="1">
+                                            <a:solidFill>
+                                              <a:schemeClr val="accent2"/>
+                                            </a:solidFill>
                                             <a:latin typeface="Cambria Math" panose="02040503050406030204" pitchFamily="18" charset="0"/>
                                           </a:rPr>
                                           <m:t>) </m:t>
@@ -8101,6 +10358,9 @@
                                       <m:fPr>
                                         <m:ctrlPr>
                                           <a:rPr lang="en-US" b="0" i="1" smtClean="0">
+                                            <a:solidFill>
+                                              <a:schemeClr val="accent2"/>
+                                            </a:solidFill>
                                             <a:latin typeface="Cambria Math" panose="02040503050406030204" pitchFamily="18" charset="0"/>
                                           </a:rPr>
                                         </m:ctrlPr>
@@ -8108,6 +10368,9 @@
                                       <m:num>
                                         <m:r>
                                           <a:rPr lang="en-US" b="0" i="1" smtClean="0">
+                                            <a:solidFill>
+                                              <a:schemeClr val="accent2"/>
+                                            </a:solidFill>
                                             <a:latin typeface="Cambria Math" panose="02040503050406030204" pitchFamily="18" charset="0"/>
                                           </a:rPr>
                                           <m:t>1</m:t>
@@ -8116,6 +10379,9 @@
                                       <m:den>
                                         <m:r>
                                           <a:rPr lang="en-US" b="0" i="1" smtClean="0">
+                                            <a:solidFill>
+                                              <a:schemeClr val="accent2"/>
+                                            </a:solidFill>
                                             <a:latin typeface="Cambria Math" panose="02040503050406030204" pitchFamily="18" charset="0"/>
                                           </a:rPr>
                                           <m:t>𝐾</m:t>
@@ -8170,7 +10436,11 @@
                   <a:buChar char="•"/>
                 </a:pPr>
                 <a:r>
-                  <a:rPr lang="en-GB" dirty="0"/>
+                  <a:rPr lang="en-GB" dirty="0">
+                    <a:solidFill>
+                      <a:schemeClr val="accent2"/>
+                    </a:solidFill>
+                  </a:rPr>
                   <a:t>Bias correction on linear model parameters (mode)</a:t>
                 </a:r>
               </a:p>
@@ -8314,12 +10584,12 @@
         <p:spPr>
           <a:xfrm>
             <a:off x="587726" y="839787"/>
-            <a:ext cx="11039437" cy="1458913"/>
+            <a:ext cx="11039437" cy="5174151"/>
           </a:xfrm>
         </p:spPr>
         <p:txBody>
           <a:bodyPr>
-            <a:normAutofit fontScale="85000" lnSpcReduction="20000"/>
+            <a:normAutofit/>
           </a:bodyPr>
           <a:lstStyle/>
           <a:p>
@@ -8351,418 +10621,48 @@
               <a:t>ATE = E(Y|A=1) – E(Y|A=0)</a:t>
             </a:r>
           </a:p>
-        </p:txBody>
-      </p:sp>
-      <p:graphicFrame>
-        <p:nvGraphicFramePr>
-          <p:cNvPr id="4" name="Table 3">
-            <a:extLst>
-              <a:ext uri="{FF2B5EF4-FFF2-40B4-BE49-F238E27FC236}">
-                <a16:creationId xmlns:a16="http://schemas.microsoft.com/office/drawing/2014/main" id="{C4E98AB2-38F0-B3C7-9D86-5863023CD0AE}"/>
-              </a:ext>
-            </a:extLst>
-          </p:cNvPr>
-          <p:cNvGraphicFramePr>
-            <a:graphicFrameLocks noGrp="1"/>
-          </p:cNvGraphicFramePr>
-          <p:nvPr>
-            <p:extLst>
-              <p:ext uri="{D42A27DB-BD31-4B8C-83A1-F6EECF244321}">
-                <p14:modId xmlns:p14="http://schemas.microsoft.com/office/powerpoint/2010/main" val="474931846"/>
-              </p:ext>
-            </p:extLst>
-          </p:nvPr>
-        </p:nvGraphicFramePr>
-        <p:xfrm>
-          <a:off x="698500" y="2396066"/>
-          <a:ext cx="11061702" cy="3837094"/>
-        </p:xfrm>
-        <a:graphic>
-          <a:graphicData uri="http://schemas.openxmlformats.org/drawingml/2006/table">
-            <a:tbl>
-              <a:tblPr firstRow="1" bandRow="1">
-                <a:tableStyleId>{2D5ABB26-0587-4C30-8999-92F81FD0307C}</a:tableStyleId>
-              </a:tblPr>
-              <a:tblGrid>
-                <a:gridCol w="3687234">
-                  <a:extLst>
-                    <a:ext uri="{9D8B030D-6E8A-4147-A177-3AD203B41FA5}">
-                      <a16:colId xmlns:a16="http://schemas.microsoft.com/office/drawing/2014/main" val="4198243672"/>
-                    </a:ext>
-                  </a:extLst>
-                </a:gridCol>
-                <a:gridCol w="3687234">
-                  <a:extLst>
-                    <a:ext uri="{9D8B030D-6E8A-4147-A177-3AD203B41FA5}">
-                      <a16:colId xmlns:a16="http://schemas.microsoft.com/office/drawing/2014/main" val="1424792408"/>
-                    </a:ext>
-                  </a:extLst>
-                </a:gridCol>
-                <a:gridCol w="3687234">
-                  <a:extLst>
-                    <a:ext uri="{9D8B030D-6E8A-4147-A177-3AD203B41FA5}">
-                      <a16:colId xmlns:a16="http://schemas.microsoft.com/office/drawing/2014/main" val="3509136199"/>
-                    </a:ext>
-                  </a:extLst>
-                </a:gridCol>
-              </a:tblGrid>
-              <a:tr h="728134">
-                <a:tc>
-                  <a:txBody>
-                    <a:bodyPr/>
-                    <a:lstStyle/>
-                    <a:p>
-                      <a:pPr algn="ctr"/>
-                      <a:r>
-                        <a:rPr lang="en-US" sz="2000" b="1" dirty="0"/>
-                        <a:t>Inverse Probability Weighting</a:t>
-                      </a:r>
-                      <a:endParaRPr lang="en-GB" sz="2000" b="1" dirty="0"/>
-                    </a:p>
-                  </a:txBody>
-                  <a:tcPr anchor="ctr">
-                    <a:lnR w="38100" cap="flat" cmpd="sng" algn="ctr">
-                      <a:solidFill>
-                        <a:schemeClr val="tx1"/>
-                      </a:solidFill>
-                      <a:prstDash val="solid"/>
-                      <a:round/>
-                      <a:headEnd type="none" w="med" len="med"/>
-                      <a:tailEnd type="none" w="med" len="med"/>
-                    </a:lnR>
-                    <a:lnB w="38100" cap="flat" cmpd="sng" algn="ctr">
-                      <a:solidFill>
-                        <a:schemeClr val="tx1"/>
-                      </a:solidFill>
-                      <a:prstDash val="solid"/>
-                      <a:round/>
-                      <a:headEnd type="none" w="med" len="med"/>
-                      <a:tailEnd type="none" w="med" len="med"/>
-                    </a:lnB>
-                  </a:tcPr>
-                </a:tc>
-                <a:tc>
-                  <a:txBody>
-                    <a:bodyPr/>
-                    <a:lstStyle/>
-                    <a:p>
-                      <a:pPr algn="ctr"/>
-                      <a:r>
-                        <a:rPr lang="en-US" sz="2000" b="1" dirty="0"/>
-                        <a:t>G-computation</a:t>
-                      </a:r>
-                      <a:endParaRPr lang="en-GB" sz="2000" b="1" dirty="0"/>
-                    </a:p>
-                  </a:txBody>
-                  <a:tcPr anchor="ctr">
-                    <a:lnL w="38100" cap="flat" cmpd="sng" algn="ctr">
-                      <a:solidFill>
-                        <a:schemeClr val="tx1"/>
-                      </a:solidFill>
-                      <a:prstDash val="solid"/>
-                      <a:round/>
-                      <a:headEnd type="none" w="med" len="med"/>
-                      <a:tailEnd type="none" w="med" len="med"/>
-                    </a:lnL>
-                    <a:lnR w="38100" cap="flat" cmpd="sng" algn="ctr">
-                      <a:solidFill>
-                        <a:schemeClr val="tx1"/>
-                      </a:solidFill>
-                      <a:prstDash val="solid"/>
-                      <a:round/>
-                      <a:headEnd type="none" w="med" len="med"/>
-                      <a:tailEnd type="none" w="med" len="med"/>
-                    </a:lnR>
-                    <a:lnB w="38100" cap="flat" cmpd="sng" algn="ctr">
-                      <a:solidFill>
-                        <a:schemeClr val="tx1"/>
-                      </a:solidFill>
-                      <a:prstDash val="solid"/>
-                      <a:round/>
-                      <a:headEnd type="none" w="med" len="med"/>
-                      <a:tailEnd type="none" w="med" len="med"/>
-                    </a:lnB>
-                  </a:tcPr>
-                </a:tc>
-                <a:tc>
-                  <a:txBody>
-                    <a:bodyPr/>
-                    <a:lstStyle/>
-                    <a:p>
-                      <a:pPr algn="ctr"/>
-                      <a:r>
-                        <a:rPr lang="en-US" sz="2000" b="1" dirty="0"/>
-                        <a:t>Targeted Maximum Likelihood Estimation</a:t>
-                      </a:r>
-                      <a:endParaRPr lang="en-GB" sz="2000" b="1" dirty="0"/>
-                    </a:p>
-                  </a:txBody>
-                  <a:tcPr anchor="ctr">
-                    <a:lnL w="38100" cap="flat" cmpd="sng" algn="ctr">
-                      <a:solidFill>
-                        <a:schemeClr val="tx1"/>
-                      </a:solidFill>
-                      <a:prstDash val="solid"/>
-                      <a:round/>
-                      <a:headEnd type="none" w="med" len="med"/>
-                      <a:tailEnd type="none" w="med" len="med"/>
-                    </a:lnL>
-                    <a:lnB w="38100" cap="flat" cmpd="sng" algn="ctr">
-                      <a:solidFill>
-                        <a:schemeClr val="tx1"/>
-                      </a:solidFill>
-                      <a:prstDash val="solid"/>
-                      <a:round/>
-                      <a:headEnd type="none" w="med" len="med"/>
-                      <a:tailEnd type="none" w="med" len="med"/>
-                    </a:lnB>
-                  </a:tcPr>
-                </a:tc>
-                <a:extLst>
-                  <a:ext uri="{0D108BD9-81ED-4DB2-BD59-A6C34878D82A}">
-                    <a16:rowId xmlns:a16="http://schemas.microsoft.com/office/drawing/2014/main" val="126792036"/>
-                  </a:ext>
-                </a:extLst>
-              </a:tr>
-              <a:tr h="910167">
-                <a:tc>
-                  <a:txBody>
-                    <a:bodyPr/>
-                    <a:lstStyle/>
-                    <a:p>
-                      <a:pPr marL="285750" indent="-285750">
-                        <a:buFont typeface="Arial" panose="020B0604020202020204" pitchFamily="34" charset="0"/>
-                        <a:buChar char="•"/>
-                      </a:pPr>
-                      <a:r>
-                        <a:rPr lang="en-US" dirty="0"/>
-                        <a:t>Fit a logistic regression model to model the disease status (</a:t>
-                      </a:r>
-                      <a:r>
-                        <a:rPr lang="en-US" i="1" dirty="0"/>
-                        <a:t>Treatment modeling</a:t>
-                      </a:r>
-                      <a:r>
-                        <a:rPr lang="en-US" dirty="0"/>
-                        <a:t>)</a:t>
-                      </a:r>
-                      <a:br>
-                        <a:rPr lang="en-US" dirty="0"/>
-                      </a:br>
-                      <a:endParaRPr lang="en-US" dirty="0"/>
-                    </a:p>
-                    <a:p>
-                      <a:pPr marL="285750" indent="-285750">
-                        <a:buFont typeface="Arial" panose="020B0604020202020204" pitchFamily="34" charset="0"/>
-                        <a:buChar char="•"/>
-                      </a:pPr>
-                      <a:r>
-                        <a:rPr lang="en-US" dirty="0"/>
-                        <a:t>Derive propensity scores and convert to inverse probability weights.</a:t>
-                      </a:r>
-                      <a:br>
-                        <a:rPr lang="en-US" dirty="0"/>
-                      </a:br>
-                      <a:endParaRPr lang="en-US" dirty="0"/>
-                    </a:p>
-                    <a:p>
-                      <a:pPr marL="285750" indent="-285750">
-                        <a:buFont typeface="Arial" panose="020B0604020202020204" pitchFamily="34" charset="0"/>
-                        <a:buChar char="•"/>
-                      </a:pPr>
-                      <a:r>
-                        <a:rPr lang="en-US" dirty="0"/>
-                        <a:t>Balance the population using the weights to get an ATE.</a:t>
-                      </a:r>
-                    </a:p>
-                    <a:p>
-                      <a:pPr marL="285750" indent="-285750">
-                        <a:buFont typeface="Arial" panose="020B0604020202020204" pitchFamily="34" charset="0"/>
-                        <a:buChar char="•"/>
-                      </a:pPr>
-                      <a:endParaRPr lang="en-GB" dirty="0"/>
-                    </a:p>
-                  </a:txBody>
-                  <a:tcPr>
-                    <a:lnR w="38100" cap="flat" cmpd="sng" algn="ctr">
-                      <a:solidFill>
-                        <a:schemeClr val="tx1"/>
-                      </a:solidFill>
-                      <a:prstDash val="solid"/>
-                      <a:round/>
-                      <a:headEnd type="none" w="med" len="med"/>
-                      <a:tailEnd type="none" w="med" len="med"/>
-                    </a:lnR>
-                    <a:lnT w="38100" cap="flat" cmpd="sng" algn="ctr">
-                      <a:solidFill>
-                        <a:schemeClr val="tx1"/>
-                      </a:solidFill>
-                      <a:prstDash val="solid"/>
-                      <a:round/>
-                      <a:headEnd type="none" w="med" len="med"/>
-                      <a:tailEnd type="none" w="med" len="med"/>
-                    </a:lnT>
-                  </a:tcPr>
-                </a:tc>
-                <a:tc>
-                  <a:txBody>
-                    <a:bodyPr/>
-                    <a:lstStyle/>
-                    <a:p>
-                      <a:pPr marL="285750" indent="-285750">
-                        <a:buFont typeface="Arial" panose="020B0604020202020204" pitchFamily="34" charset="0"/>
-                        <a:buChar char="•"/>
-                      </a:pPr>
-                      <a:r>
-                        <a:rPr lang="en-US" dirty="0"/>
-                        <a:t>Fit a linear regression model to model the cell counts </a:t>
-                      </a:r>
-                      <a:br>
-                        <a:rPr lang="en-US" dirty="0"/>
-                      </a:br>
-                      <a:r>
-                        <a:rPr lang="en-US" dirty="0"/>
-                        <a:t>(</a:t>
-                      </a:r>
-                      <a:r>
-                        <a:rPr lang="en-US" i="1" dirty="0"/>
-                        <a:t>Outcome modeling</a:t>
-                      </a:r>
-                      <a:r>
-                        <a:rPr lang="en-US" dirty="0"/>
-                        <a:t>)</a:t>
-                      </a:r>
-                      <a:br>
-                        <a:rPr lang="en-US" dirty="0"/>
-                      </a:br>
-                      <a:endParaRPr lang="en-US" dirty="0"/>
-                    </a:p>
-                    <a:p>
-                      <a:pPr marL="285750" indent="-285750">
-                        <a:buFont typeface="Arial" panose="020B0604020202020204" pitchFamily="34" charset="0"/>
-                        <a:buChar char="•"/>
-                      </a:pPr>
-                      <a:r>
-                        <a:rPr lang="en-US" dirty="0"/>
-                        <a:t>Compute counterfactuals</a:t>
-                      </a:r>
-                      <a:r>
-                        <a:rPr lang="en-GB" dirty="0"/>
-                        <a:t> and use them to get an ATE.</a:t>
-                      </a:r>
-                      <a:br>
-                        <a:rPr lang="en-GB" dirty="0"/>
-                      </a:br>
-                      <a:br>
-                        <a:rPr lang="en-GB" dirty="0"/>
-                      </a:br>
-                      <a:endParaRPr lang="en-US" dirty="0"/>
-                    </a:p>
-                  </a:txBody>
-                  <a:tcPr>
-                    <a:lnL w="38100" cap="flat" cmpd="sng" algn="ctr">
-                      <a:solidFill>
-                        <a:schemeClr val="tx1"/>
-                      </a:solidFill>
-                      <a:prstDash val="solid"/>
-                      <a:round/>
-                      <a:headEnd type="none" w="med" len="med"/>
-                      <a:tailEnd type="none" w="med" len="med"/>
-                    </a:lnL>
-                    <a:lnR w="38100" cap="flat" cmpd="sng" algn="ctr">
-                      <a:solidFill>
-                        <a:schemeClr val="tx1"/>
-                      </a:solidFill>
-                      <a:prstDash val="solid"/>
-                      <a:round/>
-                      <a:headEnd type="none" w="med" len="med"/>
-                      <a:tailEnd type="none" w="med" len="med"/>
-                    </a:lnR>
-                    <a:lnT w="38100" cap="flat" cmpd="sng" algn="ctr">
-                      <a:solidFill>
-                        <a:schemeClr val="tx1"/>
-                      </a:solidFill>
-                      <a:prstDash val="solid"/>
-                      <a:round/>
-                      <a:headEnd type="none" w="med" len="med"/>
-                      <a:tailEnd type="none" w="med" len="med"/>
-                    </a:lnT>
-                  </a:tcPr>
-                </a:tc>
-                <a:tc>
-                  <a:txBody>
-                    <a:bodyPr/>
-                    <a:lstStyle/>
-                    <a:p>
-                      <a:pPr marL="285750" indent="-285750">
-                        <a:buFont typeface="Arial" panose="020B0604020202020204" pitchFamily="34" charset="0"/>
-                        <a:buChar char="•"/>
-                      </a:pPr>
-                      <a:r>
-                        <a:rPr lang="en-US" dirty="0"/>
-                        <a:t>Combines treatment and outcome modeling</a:t>
-                      </a:r>
-                      <a:br>
-                        <a:rPr lang="en-US" dirty="0"/>
-                      </a:br>
-                      <a:endParaRPr lang="en-US" dirty="0"/>
-                    </a:p>
-                    <a:p>
-                      <a:pPr marL="285750" indent="-285750">
-                        <a:buFont typeface="Arial" panose="020B0604020202020204" pitchFamily="34" charset="0"/>
-                        <a:buChar char="•"/>
-                      </a:pPr>
-                      <a:r>
-                        <a:rPr lang="en-GB" dirty="0"/>
-                        <a:t>Uses a very clever way to update the outcome model counterfactuals using the propensity scores</a:t>
-                      </a:r>
-                      <a:br>
-                        <a:rPr lang="en-GB" dirty="0"/>
-                      </a:br>
-                      <a:endParaRPr lang="en-GB" dirty="0"/>
-                    </a:p>
-                    <a:p>
-                      <a:pPr marL="285750" indent="-285750">
-                        <a:buFont typeface="Arial" panose="020B0604020202020204" pitchFamily="34" charset="0"/>
-                        <a:buChar char="•"/>
-                      </a:pPr>
-                      <a:r>
-                        <a:rPr lang="en-GB" dirty="0"/>
-                        <a:t>Double-robust!</a:t>
-                      </a:r>
-                    </a:p>
-                  </a:txBody>
-                  <a:tcPr>
-                    <a:lnL w="38100" cap="flat" cmpd="sng" algn="ctr">
-                      <a:solidFill>
-                        <a:schemeClr val="tx1"/>
-                      </a:solidFill>
-                      <a:prstDash val="solid"/>
-                      <a:round/>
-                      <a:headEnd type="none" w="med" len="med"/>
-                      <a:tailEnd type="none" w="med" len="med"/>
-                    </a:lnL>
-                    <a:lnT w="38100" cap="flat" cmpd="sng" algn="ctr">
-                      <a:solidFill>
-                        <a:schemeClr val="tx1"/>
-                      </a:solidFill>
-                      <a:prstDash val="solid"/>
-                      <a:round/>
-                      <a:headEnd type="none" w="med" len="med"/>
-                      <a:tailEnd type="none" w="med" len="med"/>
-                    </a:lnT>
-                  </a:tcPr>
-                </a:tc>
-                <a:extLst>
-                  <a:ext uri="{0D108BD9-81ED-4DB2-BD59-A6C34878D82A}">
-                    <a16:rowId xmlns:a16="http://schemas.microsoft.com/office/drawing/2014/main" val="2063853781"/>
-                  </a:ext>
-                </a:extLst>
-              </a:tr>
-            </a:tbl>
-          </a:graphicData>
-        </a:graphic>
-      </p:graphicFrame>
+          <a:p>
+            <a:pPr>
+              <a:buFont typeface="Arial" panose="020B0604020202020204" pitchFamily="34" charset="0"/>
+              <a:buChar char="•"/>
+            </a:pPr>
+            <a:r>
+              <a:rPr lang="en-GB" dirty="0"/>
+              <a:t>Techniques:</a:t>
+            </a:r>
+          </a:p>
+          <a:p>
+            <a:pPr lvl="1">
+              <a:buFont typeface="Arial" panose="020B0604020202020204" pitchFamily="34" charset="0"/>
+              <a:buChar char="•"/>
+            </a:pPr>
+            <a:r>
+              <a:rPr lang="en-GB" dirty="0"/>
+              <a:t>Inverse Probability Weighting</a:t>
+            </a:r>
+          </a:p>
+          <a:p>
+            <a:pPr lvl="1">
+              <a:buFont typeface="Arial" panose="020B0604020202020204" pitchFamily="34" charset="0"/>
+              <a:buChar char="•"/>
+            </a:pPr>
+            <a:r>
+              <a:rPr lang="en-GB" dirty="0"/>
+              <a:t>G-computation</a:t>
+            </a:r>
+          </a:p>
+          <a:p>
+            <a:pPr lvl="1">
+              <a:buFont typeface="Arial" panose="020B0604020202020204" pitchFamily="34" charset="0"/>
+              <a:buChar char="•"/>
+            </a:pPr>
+            <a:r>
+              <a:rPr lang="en-GB" dirty="0"/>
+              <a:t>Targeted Maximum Likelihood Estimation</a:t>
+            </a:r>
+          </a:p>
+        </p:txBody>
+      </p:sp>
     </p:spTree>
     <p:extLst>
       <p:ext uri="{BB962C8B-B14F-4D97-AF65-F5344CB8AC3E}">
@@ -9257,7 +11157,7 @@
           <p:nvPr/>
         </p:nvPicPr>
         <p:blipFill>
-          <a:blip r:embed="rId2"/>
+          <a:blip r:embed="rId3"/>
           <a:stretch>
             <a:fillRect/>
           </a:stretch>
